--- a/Data Analysis 3.pptx
+++ b/Data Analysis 3.pptx
@@ -33,28 +33,29 @@
     <p:sldId id="278" r:id="rId29"/>
     <p:sldId id="279" r:id="rId30"/>
     <p:sldId id="280" r:id="rId31"/>
+    <p:sldId id="281" r:id="rId32"/>
   </p:sldIdLst>
   <p:sldSz cy="5143500" cx="9144000"/>
   <p:notesSz cx="6858000" cy="9144000"/>
   <p:embeddedFontLst>
     <p:embeddedFont>
       <p:font typeface="Roboto"/>
-      <p:regular r:id="rId32"/>
-      <p:bold r:id="rId33"/>
-      <p:italic r:id="rId34"/>
-      <p:boldItalic r:id="rId35"/>
+      <p:regular r:id="rId33"/>
+      <p:bold r:id="rId34"/>
+      <p:italic r:id="rId35"/>
+      <p:boldItalic r:id="rId36"/>
     </p:embeddedFont>
     <p:embeddedFont>
       <p:font typeface="Nunito"/>
-      <p:regular r:id="rId36"/>
-      <p:bold r:id="rId37"/>
-      <p:italic r:id="rId38"/>
-      <p:boldItalic r:id="rId39"/>
+      <p:regular r:id="rId37"/>
+      <p:bold r:id="rId38"/>
+      <p:italic r:id="rId39"/>
+      <p:boldItalic r:id="rId40"/>
     </p:embeddedFont>
     <p:embeddedFont>
       <p:font typeface="Maven Pro"/>
-      <p:regular r:id="rId40"/>
-      <p:bold r:id="rId41"/>
+      <p:regular r:id="rId41"/>
+      <p:bold r:id="rId42"/>
     </p:embeddedFont>
   </p:embeddedFontLst>
   <p:defaultTextStyle>
@@ -835,7 +836,7 @@
   <p:cSld>
     <p:spTree>
       <p:nvGrpSpPr>
-        <p:cNvPr id="336" name="Shape 336"/>
+        <p:cNvPr id="335" name="Shape 335"/>
         <p:cNvGrpSpPr/>
         <p:nvPr/>
       </p:nvGrpSpPr>
@@ -849,7 +850,7 @@
       </p:grpSpPr>
       <p:sp>
         <p:nvSpPr>
-          <p:cNvPr id="337" name="Google Shape;337;g2e71bec7f71_0_62:notes"/>
+          <p:cNvPr id="336" name="Google Shape;336;g2e71bec7f71_0_56:notes"/>
           <p:cNvSpPr/>
           <p:nvPr>
             <p:ph idx="2" type="sldImg"/>
@@ -884,7 +885,7 @@
       </p:sp>
       <p:sp>
         <p:nvSpPr>
-          <p:cNvPr id="338" name="Google Shape;338;g2e71bec7f71_0_62:notes"/>
+          <p:cNvPr id="337" name="Google Shape;337;g2e71bec7f71_0_56:notes"/>
           <p:cNvSpPr txBox="1"/>
           <p:nvPr>
             <p:ph idx="1" type="body"/>
@@ -934,7 +935,7 @@
   <p:cSld>
     <p:spTree>
       <p:nvGrpSpPr>
-        <p:cNvPr id="344" name="Shape 344"/>
+        <p:cNvPr id="343" name="Shape 343"/>
         <p:cNvGrpSpPr/>
         <p:nvPr/>
       </p:nvGrpSpPr>
@@ -948,7 +949,7 @@
       </p:grpSpPr>
       <p:sp>
         <p:nvSpPr>
-          <p:cNvPr id="345" name="Google Shape;345;g2e71bec7f71_0_69:notes"/>
+          <p:cNvPr id="344" name="Google Shape;344;g2e71bec7f71_0_62:notes"/>
           <p:cNvSpPr/>
           <p:nvPr>
             <p:ph idx="2" type="sldImg"/>
@@ -983,7 +984,7 @@
       </p:sp>
       <p:sp>
         <p:nvSpPr>
-          <p:cNvPr id="346" name="Google Shape;346;g2e71bec7f71_0_69:notes"/>
+          <p:cNvPr id="345" name="Google Shape;345;g2e71bec7f71_0_62:notes"/>
           <p:cNvSpPr txBox="1"/>
           <p:nvPr>
             <p:ph idx="1" type="body"/>
@@ -1047,7 +1048,7 @@
       </p:grpSpPr>
       <p:sp>
         <p:nvSpPr>
-          <p:cNvPr id="352" name="Google Shape;352;g2e71bec7f71_0_79:notes"/>
+          <p:cNvPr id="352" name="Google Shape;352;g2e71bec7f71_0_69:notes"/>
           <p:cNvSpPr/>
           <p:nvPr>
             <p:ph idx="2" type="sldImg"/>
@@ -1082,7 +1083,7 @@
       </p:sp>
       <p:sp>
         <p:nvSpPr>
-          <p:cNvPr id="353" name="Google Shape;353;g2e71bec7f71_0_79:notes"/>
+          <p:cNvPr id="353" name="Google Shape;353;g2e71bec7f71_0_69:notes"/>
           <p:cNvSpPr txBox="1"/>
           <p:nvPr>
             <p:ph idx="1" type="body"/>
@@ -1132,7 +1133,7 @@
   <p:cSld>
     <p:spTree>
       <p:nvGrpSpPr>
-        <p:cNvPr id="357" name="Shape 357"/>
+        <p:cNvPr id="358" name="Shape 358"/>
         <p:cNvGrpSpPr/>
         <p:nvPr/>
       </p:nvGrpSpPr>
@@ -1146,7 +1147,7 @@
       </p:grpSpPr>
       <p:sp>
         <p:nvSpPr>
-          <p:cNvPr id="358" name="Google Shape;358;g2e71bec7f71_0_86:notes"/>
+          <p:cNvPr id="359" name="Google Shape;359;g2e71bec7f71_0_79:notes"/>
           <p:cNvSpPr/>
           <p:nvPr>
             <p:ph idx="2" type="sldImg"/>
@@ -1181,7 +1182,7 @@
       </p:sp>
       <p:sp>
         <p:nvSpPr>
-          <p:cNvPr id="359" name="Google Shape;359;g2e71bec7f71_0_86:notes"/>
+          <p:cNvPr id="360" name="Google Shape;360;g2e71bec7f71_0_79:notes"/>
           <p:cNvSpPr txBox="1"/>
           <p:nvPr>
             <p:ph idx="1" type="body"/>
@@ -1231,7 +1232,7 @@
   <p:cSld>
     <p:spTree>
       <p:nvGrpSpPr>
-        <p:cNvPr id="363" name="Shape 363"/>
+        <p:cNvPr id="364" name="Shape 364"/>
         <p:cNvGrpSpPr/>
         <p:nvPr/>
       </p:nvGrpSpPr>
@@ -1245,7 +1246,7 @@
       </p:grpSpPr>
       <p:sp>
         <p:nvSpPr>
-          <p:cNvPr id="364" name="Google Shape;364;g2e71bec7f71_0_93:notes"/>
+          <p:cNvPr id="365" name="Google Shape;365;g2e71bec7f71_0_86:notes"/>
           <p:cNvSpPr/>
           <p:nvPr>
             <p:ph idx="2" type="sldImg"/>
@@ -1280,7 +1281,7 @@
       </p:sp>
       <p:sp>
         <p:nvSpPr>
-          <p:cNvPr id="365" name="Google Shape;365;g2e71bec7f71_0_93:notes"/>
+          <p:cNvPr id="366" name="Google Shape;366;g2e71bec7f71_0_86:notes"/>
           <p:cNvSpPr txBox="1"/>
           <p:nvPr>
             <p:ph idx="1" type="body"/>
@@ -1344,7 +1345,7 @@
       </p:grpSpPr>
       <p:sp>
         <p:nvSpPr>
-          <p:cNvPr id="370" name="Google Shape;370;g2e71bec7f71_0_98:notes"/>
+          <p:cNvPr id="370" name="Google Shape;370;g2e71bec7f71_0_93:notes"/>
           <p:cNvSpPr/>
           <p:nvPr>
             <p:ph idx="2" type="sldImg"/>
@@ -1379,7 +1380,7 @@
       </p:sp>
       <p:sp>
         <p:nvSpPr>
-          <p:cNvPr id="371" name="Google Shape;371;g2e71bec7f71_0_98:notes"/>
+          <p:cNvPr id="371" name="Google Shape;371;g2e71bec7f71_0_93:notes"/>
           <p:cNvSpPr txBox="1"/>
           <p:nvPr>
             <p:ph idx="1" type="body"/>
@@ -1443,7 +1444,7 @@
       </p:grpSpPr>
       <p:sp>
         <p:nvSpPr>
-          <p:cNvPr id="376" name="Google Shape;376;g2e71bec7f71_0_104:notes"/>
+          <p:cNvPr id="376" name="Google Shape;376;g2e71bec7f71_0_98:notes"/>
           <p:cNvSpPr/>
           <p:nvPr>
             <p:ph idx="2" type="sldImg"/>
@@ -1478,7 +1479,7 @@
       </p:sp>
       <p:sp>
         <p:nvSpPr>
-          <p:cNvPr id="377" name="Google Shape;377;g2e71bec7f71_0_104:notes"/>
+          <p:cNvPr id="377" name="Google Shape;377;g2e71bec7f71_0_98:notes"/>
           <p:cNvSpPr txBox="1"/>
           <p:nvPr>
             <p:ph idx="1" type="body"/>
@@ -1528,7 +1529,7 @@
   <p:cSld>
     <p:spTree>
       <p:nvGrpSpPr>
-        <p:cNvPr id="382" name="Shape 382"/>
+        <p:cNvPr id="381" name="Shape 381"/>
         <p:cNvGrpSpPr/>
         <p:nvPr/>
       </p:nvGrpSpPr>
@@ -1542,7 +1543,7 @@
       </p:grpSpPr>
       <p:sp>
         <p:nvSpPr>
-          <p:cNvPr id="383" name="Google Shape;383;g2e71bec7f71_0_113:notes"/>
+          <p:cNvPr id="382" name="Google Shape;382;g2e71bec7f71_0_104:notes"/>
           <p:cNvSpPr/>
           <p:nvPr>
             <p:ph idx="2" type="sldImg"/>
@@ -1577,7 +1578,7 @@
       </p:sp>
       <p:sp>
         <p:nvSpPr>
-          <p:cNvPr id="384" name="Google Shape;384;g2e71bec7f71_0_113:notes"/>
+          <p:cNvPr id="383" name="Google Shape;383;g2e71bec7f71_0_104:notes"/>
           <p:cNvSpPr txBox="1"/>
           <p:nvPr>
             <p:ph idx="1" type="body"/>
@@ -1627,7 +1628,7 @@
   <p:cSld>
     <p:spTree>
       <p:nvGrpSpPr>
-        <p:cNvPr id="389" name="Shape 389"/>
+        <p:cNvPr id="388" name="Shape 388"/>
         <p:cNvGrpSpPr/>
         <p:nvPr/>
       </p:nvGrpSpPr>
@@ -1641,7 +1642,7 @@
       </p:grpSpPr>
       <p:sp>
         <p:nvSpPr>
-          <p:cNvPr id="390" name="Google Shape;390;g2e71bec7f71_0_119:notes"/>
+          <p:cNvPr id="389" name="Google Shape;389;g2e71bec7f71_0_113:notes"/>
           <p:cNvSpPr/>
           <p:nvPr>
             <p:ph idx="2" type="sldImg"/>
@@ -1676,7 +1677,7 @@
       </p:sp>
       <p:sp>
         <p:nvSpPr>
-          <p:cNvPr id="391" name="Google Shape;391;g2e71bec7f71_0_119:notes"/>
+          <p:cNvPr id="390" name="Google Shape;390;g2e71bec7f71_0_113:notes"/>
           <p:cNvSpPr txBox="1"/>
           <p:nvPr>
             <p:ph idx="1" type="body"/>
@@ -1726,7 +1727,7 @@
   <p:cSld>
     <p:spTree>
       <p:nvGrpSpPr>
-        <p:cNvPr id="394" name="Shape 394"/>
+        <p:cNvPr id="395" name="Shape 395"/>
         <p:cNvGrpSpPr/>
         <p:nvPr/>
       </p:nvGrpSpPr>
@@ -1740,7 +1741,7 @@
       </p:grpSpPr>
       <p:sp>
         <p:nvSpPr>
-          <p:cNvPr id="395" name="Google Shape;395;g2e71bec7f71_0_125:notes"/>
+          <p:cNvPr id="396" name="Google Shape;396;g2e71bec7f71_0_119:notes"/>
           <p:cNvSpPr/>
           <p:nvPr>
             <p:ph idx="2" type="sldImg"/>
@@ -1775,7 +1776,7 @@
       </p:sp>
       <p:sp>
         <p:nvSpPr>
-          <p:cNvPr id="396" name="Google Shape;396;g2e71bec7f71_0_125:notes"/>
+          <p:cNvPr id="397" name="Google Shape;397;g2e71bec7f71_0_119:notes"/>
           <p:cNvSpPr txBox="1"/>
           <p:nvPr>
             <p:ph idx="1" type="body"/>
@@ -1924,7 +1925,7 @@
   <p:cSld>
     <p:spTree>
       <p:nvGrpSpPr>
-        <p:cNvPr id="401" name="Shape 401"/>
+        <p:cNvPr id="400" name="Shape 400"/>
         <p:cNvGrpSpPr/>
         <p:nvPr/>
       </p:nvGrpSpPr>
@@ -1938,7 +1939,7 @@
       </p:grpSpPr>
       <p:sp>
         <p:nvSpPr>
-          <p:cNvPr id="402" name="Google Shape;402;g2e71bec7f71_0_137:notes"/>
+          <p:cNvPr id="401" name="Google Shape;401;g2e71bec7f71_0_125:notes"/>
           <p:cNvSpPr/>
           <p:nvPr>
             <p:ph idx="2" type="sldImg"/>
@@ -1973,7 +1974,7 @@
       </p:sp>
       <p:sp>
         <p:nvSpPr>
-          <p:cNvPr id="403" name="Google Shape;403;g2e71bec7f71_0_137:notes"/>
+          <p:cNvPr id="402" name="Google Shape;402;g2e71bec7f71_0_125:notes"/>
           <p:cNvSpPr txBox="1"/>
           <p:nvPr>
             <p:ph idx="1" type="body"/>
@@ -2023,7 +2024,7 @@
   <p:cSld>
     <p:spTree>
       <p:nvGrpSpPr>
-        <p:cNvPr id="408" name="Shape 408"/>
+        <p:cNvPr id="407" name="Shape 407"/>
         <p:cNvGrpSpPr/>
         <p:nvPr/>
       </p:nvGrpSpPr>
@@ -2037,7 +2038,7 @@
       </p:grpSpPr>
       <p:sp>
         <p:nvSpPr>
-          <p:cNvPr id="409" name="Google Shape;409;g2e71bec7f71_0_145:notes"/>
+          <p:cNvPr id="408" name="Google Shape;408;g2e71bec7f71_0_137:notes"/>
           <p:cNvSpPr/>
           <p:nvPr>
             <p:ph idx="2" type="sldImg"/>
@@ -2072,7 +2073,7 @@
       </p:sp>
       <p:sp>
         <p:nvSpPr>
-          <p:cNvPr id="410" name="Google Shape;410;g2e71bec7f71_0_145:notes"/>
+          <p:cNvPr id="409" name="Google Shape;409;g2e71bec7f71_0_137:notes"/>
           <p:cNvSpPr txBox="1"/>
           <p:nvPr>
             <p:ph idx="1" type="body"/>
@@ -2122,7 +2123,7 @@
   <p:cSld>
     <p:spTree>
       <p:nvGrpSpPr>
-        <p:cNvPr id="415" name="Shape 415"/>
+        <p:cNvPr id="414" name="Shape 414"/>
         <p:cNvGrpSpPr/>
         <p:nvPr/>
       </p:nvGrpSpPr>
@@ -2136,7 +2137,7 @@
       </p:grpSpPr>
       <p:sp>
         <p:nvSpPr>
-          <p:cNvPr id="416" name="Google Shape;416;g2e71bec7f71_0_151:notes"/>
+          <p:cNvPr id="415" name="Google Shape;415;g2e71bec7f71_0_145:notes"/>
           <p:cNvSpPr/>
           <p:nvPr>
             <p:ph idx="2" type="sldImg"/>
@@ -2171,7 +2172,7 @@
       </p:sp>
       <p:sp>
         <p:nvSpPr>
-          <p:cNvPr id="417" name="Google Shape;417;g2e71bec7f71_0_151:notes"/>
+          <p:cNvPr id="416" name="Google Shape;416;g2e71bec7f71_0_145:notes"/>
           <p:cNvSpPr txBox="1"/>
           <p:nvPr>
             <p:ph idx="1" type="body"/>
@@ -2221,7 +2222,7 @@
   <p:cSld>
     <p:spTree>
       <p:nvGrpSpPr>
-        <p:cNvPr id="422" name="Shape 422"/>
+        <p:cNvPr id="421" name="Shape 421"/>
         <p:cNvGrpSpPr/>
         <p:nvPr/>
       </p:nvGrpSpPr>
@@ -2235,7 +2236,7 @@
       </p:grpSpPr>
       <p:sp>
         <p:nvSpPr>
-          <p:cNvPr id="423" name="Google Shape;423;g2e71bec7f71_0_157:notes"/>
+          <p:cNvPr id="422" name="Google Shape;422;g2e71bec7f71_0_151:notes"/>
           <p:cNvSpPr/>
           <p:nvPr>
             <p:ph idx="2" type="sldImg"/>
@@ -2270,7 +2271,7 @@
       </p:sp>
       <p:sp>
         <p:nvSpPr>
-          <p:cNvPr id="424" name="Google Shape;424;g2e71bec7f71_0_157:notes"/>
+          <p:cNvPr id="423" name="Google Shape;423;g2e71bec7f71_0_151:notes"/>
           <p:cNvSpPr txBox="1"/>
           <p:nvPr>
             <p:ph idx="1" type="body"/>
@@ -2320,7 +2321,7 @@
   <p:cSld>
     <p:spTree>
       <p:nvGrpSpPr>
-        <p:cNvPr id="429" name="Shape 429"/>
+        <p:cNvPr id="428" name="Shape 428"/>
         <p:cNvGrpSpPr/>
         <p:nvPr/>
       </p:nvGrpSpPr>
@@ -2334,7 +2335,7 @@
       </p:grpSpPr>
       <p:sp>
         <p:nvSpPr>
-          <p:cNvPr id="430" name="Google Shape;430;g2e71bec7f71_0_163:notes"/>
+          <p:cNvPr id="429" name="Google Shape;429;g2e71bec7f71_0_157:notes"/>
           <p:cNvSpPr/>
           <p:nvPr>
             <p:ph idx="2" type="sldImg"/>
@@ -2369,7 +2370,7 @@
       </p:sp>
       <p:sp>
         <p:nvSpPr>
-          <p:cNvPr id="431" name="Google Shape;431;g2e71bec7f71_0_163:notes"/>
+          <p:cNvPr id="430" name="Google Shape;430;g2e71bec7f71_0_157:notes"/>
           <p:cNvSpPr txBox="1"/>
           <p:nvPr>
             <p:ph idx="1" type="body"/>
@@ -2419,7 +2420,7 @@
   <p:cSld>
     <p:spTree>
       <p:nvGrpSpPr>
-        <p:cNvPr id="436" name="Shape 436"/>
+        <p:cNvPr id="435" name="Shape 435"/>
         <p:cNvGrpSpPr/>
         <p:nvPr/>
       </p:nvGrpSpPr>
@@ -2433,7 +2434,7 @@
       </p:grpSpPr>
       <p:sp>
         <p:nvSpPr>
-          <p:cNvPr id="437" name="Google Shape;437;g2e71bec7f71_0_182:notes"/>
+          <p:cNvPr id="436" name="Google Shape;436;g2e71bec7f71_0_163:notes"/>
           <p:cNvSpPr/>
           <p:nvPr>
             <p:ph idx="2" type="sldImg"/>
@@ -2468,7 +2469,106 @@
       </p:sp>
       <p:sp>
         <p:nvSpPr>
-          <p:cNvPr id="438" name="Google Shape;438;g2e71bec7f71_0_182:notes"/>
+          <p:cNvPr id="437" name="Google Shape;437;g2e71bec7f71_0_163:notes"/>
+          <p:cNvSpPr txBox="1"/>
+          <p:nvPr>
+            <p:ph idx="1" type="body"/>
+          </p:nvPr>
+        </p:nvSpPr>
+        <p:spPr>
+          <a:xfrm>
+            <a:off x="685800" y="4343400"/>
+            <a:ext cx="5486400" cy="4114800"/>
+          </a:xfrm>
+          <a:prstGeom prst="rect">
+            <a:avLst/>
+          </a:prstGeom>
+        </p:spPr>
+        <p:txBody>
+          <a:bodyPr anchorCtr="0" anchor="t" bIns="91425" lIns="91425" spcFirstLastPara="1" rIns="91425" wrap="square" tIns="91425">
+            <a:noAutofit/>
+          </a:bodyPr>
+          <a:lstStyle/>
+          <a:p>
+            <a:pPr indent="0" lvl="0" marL="0" rtl="0" algn="l">
+              <a:spcBef>
+                <a:spcPts val="0"/>
+              </a:spcBef>
+              <a:spcAft>
+                <a:spcPts val="0"/>
+              </a:spcAft>
+              <a:buNone/>
+            </a:pPr>
+            <a:r>
+              <a:t/>
+            </a:r>
+            <a:endParaRPr/>
+          </a:p>
+        </p:txBody>
+      </p:sp>
+    </p:spTree>
+  </p:cSld>
+  <p:clrMapOvr>
+    <a:masterClrMapping/>
+  </p:clrMapOvr>
+</p:notes>
+</file>
+
+<file path=ppt/notesSlides/notesSlide26.xml><?xml version="1.0" encoding="utf-8"?>
+<p:notes xmlns:a="http://schemas.openxmlformats.org/drawingml/2006/main" xmlns:r="http://schemas.openxmlformats.org/officeDocument/2006/relationships" xmlns:mc="http://schemas.openxmlformats.org/markup-compatibility/2006" xmlns:mv="urn:schemas-microsoft-com:mac:vml" xmlns:p="http://schemas.openxmlformats.org/presentationml/2006/main" xmlns:c="http://schemas.openxmlformats.org/drawingml/2006/chart" xmlns:dgm="http://schemas.openxmlformats.org/drawingml/2006/diagram" xmlns:o="urn:schemas-microsoft-com:office:office" xmlns:v="urn:schemas-microsoft-com:vml" xmlns:pvml="urn:schemas-microsoft-com:office:powerpoint" xmlns:com="http://schemas.openxmlformats.org/drawingml/2006/compatibility" xmlns:p14="http://schemas.microsoft.com/office/powerpoint/2010/main" xmlns:p15="http://schemas.microsoft.com/office/powerpoint/2012/main" xmlns:ahyp="http://schemas.microsoft.com/office/drawing/2018/hyperlinkcolor" showMasterPhAnim="0" showMasterSp="0">
+  <p:cSld>
+    <p:spTree>
+      <p:nvGrpSpPr>
+        <p:cNvPr id="442" name="Shape 442"/>
+        <p:cNvGrpSpPr/>
+        <p:nvPr/>
+      </p:nvGrpSpPr>
+      <p:grpSpPr>
+        <a:xfrm>
+          <a:off x="0" y="0"/>
+          <a:ext cx="0" cy="0"/>
+          <a:chOff x="0" y="0"/>
+          <a:chExt cx="0" cy="0"/>
+        </a:xfrm>
+      </p:grpSpPr>
+      <p:sp>
+        <p:nvSpPr>
+          <p:cNvPr id="443" name="Google Shape;443;g2e71bec7f71_0_182:notes"/>
+          <p:cNvSpPr/>
+          <p:nvPr>
+            <p:ph idx="2" type="sldImg"/>
+          </p:nvPr>
+        </p:nvSpPr>
+        <p:spPr>
+          <a:xfrm>
+            <a:off x="381300" y="685800"/>
+            <a:ext cx="6096000" cy="3429000"/>
+          </a:xfrm>
+          <a:custGeom>
+            <a:rect b="b" l="l" r="r" t="t"/>
+            <a:pathLst>
+              <a:path extrusionOk="0" h="120000" w="120000">
+                <a:moveTo>
+                  <a:pt x="0" y="0"/>
+                </a:moveTo>
+                <a:lnTo>
+                  <a:pt x="120000" y="0"/>
+                </a:lnTo>
+                <a:lnTo>
+                  <a:pt x="120000" y="120000"/>
+                </a:lnTo>
+                <a:lnTo>
+                  <a:pt x="0" y="120000"/>
+                </a:lnTo>
+                <a:close/>
+              </a:path>
+            </a:pathLst>
+          </a:custGeom>
+        </p:spPr>
+      </p:sp>
+      <p:sp>
+        <p:nvSpPr>
+          <p:cNvPr id="444" name="Google Shape;444;g2e71bec7f71_0_182:notes"/>
           <p:cNvSpPr txBox="1"/>
           <p:nvPr>
             <p:ph idx="1" type="body"/>
@@ -2532,7 +2632,7 @@
       </p:grpSpPr>
       <p:sp>
         <p:nvSpPr>
-          <p:cNvPr id="287" name="Google Shape;287;g2e71bec7f71_0_2:notes"/>
+          <p:cNvPr id="287" name="Google Shape;287;g2e71bec7f71_0_206:notes"/>
           <p:cNvSpPr/>
           <p:nvPr>
             <p:ph idx="2" type="sldImg"/>
@@ -2567,7 +2667,7 @@
       </p:sp>
       <p:sp>
         <p:nvSpPr>
-          <p:cNvPr id="288" name="Google Shape;288;g2e71bec7f71_0_2:notes"/>
+          <p:cNvPr id="288" name="Google Shape;288;g2e71bec7f71_0_206:notes"/>
           <p:cNvSpPr txBox="1"/>
           <p:nvPr>
             <p:ph idx="1" type="body"/>
@@ -2631,7 +2731,7 @@
       </p:grpSpPr>
       <p:sp>
         <p:nvSpPr>
-          <p:cNvPr id="294" name="Google Shape;294;g2e71bec7f71_0_9:notes"/>
+          <p:cNvPr id="294" name="Google Shape;294;g2e71bec7f71_0_2:notes"/>
           <p:cNvSpPr/>
           <p:nvPr>
             <p:ph idx="2" type="sldImg"/>
@@ -2666,7 +2766,7 @@
       </p:sp>
       <p:sp>
         <p:nvSpPr>
-          <p:cNvPr id="295" name="Google Shape;295;g2e71bec7f71_0_9:notes"/>
+          <p:cNvPr id="295" name="Google Shape;295;g2e71bec7f71_0_2:notes"/>
           <p:cNvSpPr txBox="1"/>
           <p:nvPr>
             <p:ph idx="1" type="body"/>
@@ -2716,7 +2816,7 @@
   <p:cSld>
     <p:spTree>
       <p:nvGrpSpPr>
-        <p:cNvPr id="299" name="Shape 299"/>
+        <p:cNvPr id="300" name="Shape 300"/>
         <p:cNvGrpSpPr/>
         <p:nvPr/>
       </p:nvGrpSpPr>
@@ -2730,7 +2830,7 @@
       </p:grpSpPr>
       <p:sp>
         <p:nvSpPr>
-          <p:cNvPr id="300" name="Google Shape;300;g2e71bec7f71_0_31:notes"/>
+          <p:cNvPr id="301" name="Google Shape;301;g2e71bec7f71_0_9:notes"/>
           <p:cNvSpPr/>
           <p:nvPr>
             <p:ph idx="2" type="sldImg"/>
@@ -2765,7 +2865,7 @@
       </p:sp>
       <p:sp>
         <p:nvSpPr>
-          <p:cNvPr id="301" name="Google Shape;301;g2e71bec7f71_0_31:notes"/>
+          <p:cNvPr id="302" name="Google Shape;302;g2e71bec7f71_0_9:notes"/>
           <p:cNvSpPr txBox="1"/>
           <p:nvPr>
             <p:ph idx="1" type="body"/>
@@ -2829,7 +2929,7 @@
       </p:grpSpPr>
       <p:sp>
         <p:nvSpPr>
-          <p:cNvPr id="307" name="Google Shape;307;g2e71bec7f71_0_37:notes"/>
+          <p:cNvPr id="307" name="Google Shape;307;g2e71bec7f71_0_31:notes"/>
           <p:cNvSpPr/>
           <p:nvPr>
             <p:ph idx="2" type="sldImg"/>
@@ -2864,7 +2964,7 @@
       </p:sp>
       <p:sp>
         <p:nvSpPr>
-          <p:cNvPr id="308" name="Google Shape;308;g2e71bec7f71_0_37:notes"/>
+          <p:cNvPr id="308" name="Google Shape;308;g2e71bec7f71_0_31:notes"/>
           <p:cNvSpPr txBox="1"/>
           <p:nvPr>
             <p:ph idx="1" type="body"/>
@@ -2914,7 +3014,7 @@
   <p:cSld>
     <p:spTree>
       <p:nvGrpSpPr>
-        <p:cNvPr id="314" name="Shape 314"/>
+        <p:cNvPr id="313" name="Shape 313"/>
         <p:cNvGrpSpPr/>
         <p:nvPr/>
       </p:nvGrpSpPr>
@@ -2928,7 +3028,7 @@
       </p:grpSpPr>
       <p:sp>
         <p:nvSpPr>
-          <p:cNvPr id="315" name="Google Shape;315;g2e71bec7f71_0_49:notes"/>
+          <p:cNvPr id="314" name="Google Shape;314;g2e71bec7f71_0_37:notes"/>
           <p:cNvSpPr/>
           <p:nvPr>
             <p:ph idx="2" type="sldImg"/>
@@ -2963,7 +3063,7 @@
       </p:sp>
       <p:sp>
         <p:nvSpPr>
-          <p:cNvPr id="316" name="Google Shape;316;g2e71bec7f71_0_49:notes"/>
+          <p:cNvPr id="315" name="Google Shape;315;g2e71bec7f71_0_37:notes"/>
           <p:cNvSpPr txBox="1"/>
           <p:nvPr>
             <p:ph idx="1" type="body"/>
@@ -3013,7 +3113,7 @@
   <p:cSld>
     <p:spTree>
       <p:nvGrpSpPr>
-        <p:cNvPr id="322" name="Shape 322"/>
+        <p:cNvPr id="321" name="Shape 321"/>
         <p:cNvGrpSpPr/>
         <p:nvPr/>
       </p:nvGrpSpPr>
@@ -3027,7 +3127,7 @@
       </p:grpSpPr>
       <p:sp>
         <p:nvSpPr>
-          <p:cNvPr id="323" name="Google Shape;323;g2e71bec7f71_0_196:notes"/>
+          <p:cNvPr id="322" name="Google Shape;322;g2e71bec7f71_0_49:notes"/>
           <p:cNvSpPr/>
           <p:nvPr>
             <p:ph idx="2" type="sldImg"/>
@@ -3062,7 +3162,7 @@
       </p:sp>
       <p:sp>
         <p:nvSpPr>
-          <p:cNvPr id="324" name="Google Shape;324;g2e71bec7f71_0_196:notes"/>
+          <p:cNvPr id="323" name="Google Shape;323;g2e71bec7f71_0_49:notes"/>
           <p:cNvSpPr txBox="1"/>
           <p:nvPr>
             <p:ph idx="1" type="body"/>
@@ -3112,7 +3212,7 @@
   <p:cSld>
     <p:spTree>
       <p:nvGrpSpPr>
-        <p:cNvPr id="328" name="Shape 328"/>
+        <p:cNvPr id="329" name="Shape 329"/>
         <p:cNvGrpSpPr/>
         <p:nvPr/>
       </p:nvGrpSpPr>
@@ -3126,7 +3226,7 @@
       </p:grpSpPr>
       <p:sp>
         <p:nvSpPr>
-          <p:cNvPr id="329" name="Google Shape;329;g2e71bec7f71_0_56:notes"/>
+          <p:cNvPr id="330" name="Google Shape;330;g2e71bec7f71_0_196:notes"/>
           <p:cNvSpPr/>
           <p:nvPr>
             <p:ph idx="2" type="sldImg"/>
@@ -3161,7 +3261,7 @@
       </p:sp>
       <p:sp>
         <p:nvSpPr>
-          <p:cNvPr id="330" name="Google Shape;330;g2e71bec7f71_0_56:notes"/>
+          <p:cNvPr id="331" name="Google Shape;331;g2e71bec7f71_0_196:notes"/>
           <p:cNvSpPr txBox="1"/>
           <p:nvPr>
             <p:ph idx="1" type="body"/>
@@ -17759,7 +17859,7 @@
   <p:cSld>
     <p:spTree>
       <p:nvGrpSpPr>
-        <p:cNvPr id="339" name="Shape 339"/>
+        <p:cNvPr id="338" name="Shape 338"/>
         <p:cNvGrpSpPr/>
         <p:nvPr/>
       </p:nvGrpSpPr>
@@ -17773,7 +17873,7 @@
       </p:grpSpPr>
       <p:sp>
         <p:nvSpPr>
-          <p:cNvPr id="340" name="Google Shape;340;p22"/>
+          <p:cNvPr id="339" name="Google Shape;339;p22"/>
           <p:cNvSpPr txBox="1"/>
           <p:nvPr>
             <p:ph type="title"/>
@@ -17804,7 +17904,8 @@
               <a:buNone/>
             </a:pPr>
             <a:r>
-              <a:t/>
+              <a:rPr lang="en-GB"/>
+              <a:t>Stack &amp; Stairs</a:t>
             </a:r>
             <a:endParaRPr/>
           </a:p>
@@ -17812,7 +17913,7 @@
       </p:sp>
       <p:sp>
         <p:nvSpPr>
-          <p:cNvPr id="341" name="Google Shape;341;p22"/>
+          <p:cNvPr id="340" name="Google Shape;340;p22"/>
           <p:cNvSpPr txBox="1"/>
           <p:nvPr>
             <p:ph idx="1" type="body"/>
@@ -17851,7 +17952,164 @@
       </p:sp>
       <p:pic>
         <p:nvPicPr>
+          <p:cNvPr id="341" name="Google Shape;341;p22"/>
+          <p:cNvPicPr preferRelativeResize="0"/>
+          <p:nvPr/>
+        </p:nvPicPr>
+        <p:blipFill rotWithShape="1">
+          <a:blip r:embed="rId3">
+            <a:alphaModFix/>
+          </a:blip>
+          <a:srcRect b="61461" l="0" r="18133" t="0"/>
+          <a:stretch/>
+        </p:blipFill>
+        <p:spPr>
+          <a:xfrm>
+            <a:off x="1303800" y="99000"/>
+            <a:ext cx="6174975" cy="2258424"/>
+          </a:xfrm>
+          <a:prstGeom prst="rect">
+            <a:avLst/>
+          </a:prstGeom>
+          <a:noFill/>
+          <a:ln>
+            <a:noFill/>
+          </a:ln>
+        </p:spPr>
+      </p:pic>
+      <p:pic>
+        <p:nvPicPr>
           <p:cNvPr id="342" name="Google Shape;342;p22"/>
+          <p:cNvPicPr preferRelativeResize="0"/>
+          <p:nvPr/>
+        </p:nvPicPr>
+        <p:blipFill rotWithShape="1">
+          <a:blip r:embed="rId3">
+            <a:alphaModFix/>
+          </a:blip>
+          <a:srcRect b="0" l="0" r="0" t="54894"/>
+          <a:stretch/>
+        </p:blipFill>
+        <p:spPr>
+          <a:xfrm>
+            <a:off x="1345000" y="2542175"/>
+            <a:ext cx="6012551" cy="2107075"/>
+          </a:xfrm>
+          <a:prstGeom prst="rect">
+            <a:avLst/>
+          </a:prstGeom>
+          <a:noFill/>
+          <a:ln>
+            <a:noFill/>
+          </a:ln>
+        </p:spPr>
+      </p:pic>
+    </p:spTree>
+  </p:cSld>
+  <p:clrMapOvr>
+    <a:masterClrMapping/>
+  </p:clrMapOvr>
+</p:sld>
+</file>
+
+<file path=ppt/slides/slide11.xml><?xml version="1.0" encoding="utf-8"?>
+<p:sld xmlns:a="http://schemas.openxmlformats.org/drawingml/2006/main" xmlns:r="http://schemas.openxmlformats.org/officeDocument/2006/relationships" xmlns:mc="http://schemas.openxmlformats.org/markup-compatibility/2006" xmlns:mv="urn:schemas-microsoft-com:mac:vml" xmlns:p="http://schemas.openxmlformats.org/presentationml/2006/main" xmlns:c="http://schemas.openxmlformats.org/drawingml/2006/chart" xmlns:dgm="http://schemas.openxmlformats.org/drawingml/2006/diagram" xmlns:o="urn:schemas-microsoft-com:office:office" xmlns:v="urn:schemas-microsoft-com:vml" xmlns:pvml="urn:schemas-microsoft-com:office:powerpoint" xmlns:com="http://schemas.openxmlformats.org/drawingml/2006/compatibility" xmlns:p14="http://schemas.microsoft.com/office/powerpoint/2010/main" xmlns:p15="http://schemas.microsoft.com/office/powerpoint/2012/main" xmlns:ahyp="http://schemas.microsoft.com/office/drawing/2018/hyperlinkcolor">
+  <p:cSld>
+    <p:spTree>
+      <p:nvGrpSpPr>
+        <p:cNvPr id="346" name="Shape 346"/>
+        <p:cNvGrpSpPr/>
+        <p:nvPr/>
+      </p:nvGrpSpPr>
+      <p:grpSpPr>
+        <a:xfrm>
+          <a:off x="0" y="0"/>
+          <a:ext cx="0" cy="0"/>
+          <a:chOff x="0" y="0"/>
+          <a:chExt cx="0" cy="0"/>
+        </a:xfrm>
+      </p:grpSpPr>
+      <p:sp>
+        <p:nvSpPr>
+          <p:cNvPr id="347" name="Google Shape;347;p23"/>
+          <p:cNvSpPr txBox="1"/>
+          <p:nvPr>
+            <p:ph type="title"/>
+          </p:nvPr>
+        </p:nvSpPr>
+        <p:spPr>
+          <a:xfrm>
+            <a:off x="1303800" y="598575"/>
+            <a:ext cx="7030500" cy="999300"/>
+          </a:xfrm>
+          <a:prstGeom prst="rect">
+            <a:avLst/>
+          </a:prstGeom>
+        </p:spPr>
+        <p:txBody>
+          <a:bodyPr anchorCtr="0" anchor="t" bIns="91425" lIns="91425" spcFirstLastPara="1" rIns="91425" wrap="square" tIns="91425">
+            <a:normAutofit/>
+          </a:bodyPr>
+          <a:lstStyle/>
+          <a:p>
+            <a:pPr indent="0" lvl="0" marL="0" rtl="0" algn="l">
+              <a:spcBef>
+                <a:spcPts val="0"/>
+              </a:spcBef>
+              <a:spcAft>
+                <a:spcPts val="0"/>
+              </a:spcAft>
+              <a:buNone/>
+            </a:pPr>
+            <a:r>
+              <a:t/>
+            </a:r>
+            <a:endParaRPr/>
+          </a:p>
+        </p:txBody>
+      </p:sp>
+      <p:sp>
+        <p:nvSpPr>
+          <p:cNvPr id="348" name="Google Shape;348;p23"/>
+          <p:cNvSpPr txBox="1"/>
+          <p:nvPr>
+            <p:ph idx="1" type="body"/>
+          </p:nvPr>
+        </p:nvSpPr>
+        <p:spPr>
+          <a:xfrm>
+            <a:off x="1303800" y="1990050"/>
+            <a:ext cx="7030500" cy="2541600"/>
+          </a:xfrm>
+          <a:prstGeom prst="rect">
+            <a:avLst/>
+          </a:prstGeom>
+        </p:spPr>
+        <p:txBody>
+          <a:bodyPr anchorCtr="0" anchor="t" bIns="91425" lIns="91425" spcFirstLastPara="1" rIns="91425" wrap="square" tIns="91425">
+            <a:normAutofit/>
+          </a:bodyPr>
+          <a:lstStyle/>
+          <a:p>
+            <a:pPr indent="0" lvl="0" marL="0" rtl="0" algn="l">
+              <a:spcBef>
+                <a:spcPts val="0"/>
+              </a:spcBef>
+              <a:spcAft>
+                <a:spcPts val="1200"/>
+              </a:spcAft>
+              <a:buNone/>
+            </a:pPr>
+            <a:r>
+              <a:t/>
+            </a:r>
+            <a:endParaRPr/>
+          </a:p>
+        </p:txBody>
+      </p:sp>
+      <p:pic>
+        <p:nvPicPr>
+          <p:cNvPr id="349" name="Google Shape;349;p23"/>
           <p:cNvPicPr preferRelativeResize="0"/>
           <p:nvPr/>
         </p:nvPicPr>
@@ -17879,7 +18137,7 @@
       </p:pic>
       <p:pic>
         <p:nvPicPr>
-          <p:cNvPr id="343" name="Google Shape;343;p22"/>
+          <p:cNvPr id="350" name="Google Shape;350;p23"/>
           <p:cNvPicPr preferRelativeResize="0"/>
           <p:nvPr/>
         </p:nvPicPr>
@@ -17895,229 +18153,6 @@
           <a:xfrm>
             <a:off x="5059050" y="1306675"/>
             <a:ext cx="3823826" cy="2799900"/>
-          </a:xfrm>
-          <a:prstGeom prst="rect">
-            <a:avLst/>
-          </a:prstGeom>
-          <a:noFill/>
-          <a:ln>
-            <a:noFill/>
-          </a:ln>
-        </p:spPr>
-      </p:pic>
-    </p:spTree>
-  </p:cSld>
-  <p:clrMapOvr>
-    <a:masterClrMapping/>
-  </p:clrMapOvr>
-</p:sld>
-</file>
-
-<file path=ppt/slides/slide11.xml><?xml version="1.0" encoding="utf-8"?>
-<p:sld xmlns:a="http://schemas.openxmlformats.org/drawingml/2006/main" xmlns:r="http://schemas.openxmlformats.org/officeDocument/2006/relationships" xmlns:mc="http://schemas.openxmlformats.org/markup-compatibility/2006" xmlns:mv="urn:schemas-microsoft-com:mac:vml" xmlns:p="http://schemas.openxmlformats.org/presentationml/2006/main" xmlns:c="http://schemas.openxmlformats.org/drawingml/2006/chart" xmlns:dgm="http://schemas.openxmlformats.org/drawingml/2006/diagram" xmlns:o="urn:schemas-microsoft-com:office:office" xmlns:v="urn:schemas-microsoft-com:vml" xmlns:pvml="urn:schemas-microsoft-com:office:powerpoint" xmlns:com="http://schemas.openxmlformats.org/drawingml/2006/compatibility" xmlns:p14="http://schemas.microsoft.com/office/powerpoint/2010/main" xmlns:p15="http://schemas.microsoft.com/office/powerpoint/2012/main" xmlns:ahyp="http://schemas.microsoft.com/office/drawing/2018/hyperlinkcolor">
-  <p:cSld>
-    <p:spTree>
-      <p:nvGrpSpPr>
-        <p:cNvPr id="347" name="Shape 347"/>
-        <p:cNvGrpSpPr/>
-        <p:nvPr/>
-      </p:nvGrpSpPr>
-      <p:grpSpPr>
-        <a:xfrm>
-          <a:off x="0" y="0"/>
-          <a:ext cx="0" cy="0"/>
-          <a:chOff x="0" y="0"/>
-          <a:chExt cx="0" cy="0"/>
-        </a:xfrm>
-      </p:grpSpPr>
-      <p:sp>
-        <p:nvSpPr>
-          <p:cNvPr id="348" name="Google Shape;348;p23"/>
-          <p:cNvSpPr txBox="1"/>
-          <p:nvPr>
-            <p:ph type="title"/>
-          </p:nvPr>
-        </p:nvSpPr>
-        <p:spPr>
-          <a:xfrm>
-            <a:off x="1303800" y="598575"/>
-            <a:ext cx="7030500" cy="999300"/>
-          </a:xfrm>
-          <a:prstGeom prst="rect">
-            <a:avLst/>
-          </a:prstGeom>
-        </p:spPr>
-        <p:txBody>
-          <a:bodyPr anchorCtr="0" anchor="t" bIns="91425" lIns="91425" spcFirstLastPara="1" rIns="91425" wrap="square" tIns="91425">
-            <a:normAutofit/>
-          </a:bodyPr>
-          <a:lstStyle/>
-          <a:p>
-            <a:pPr indent="0" lvl="0" marL="0" rtl="0" algn="l">
-              <a:spcBef>
-                <a:spcPts val="0"/>
-              </a:spcBef>
-              <a:spcAft>
-                <a:spcPts val="0"/>
-              </a:spcAft>
-              <a:buNone/>
-            </a:pPr>
-            <a:r>
-              <a:rPr lang="en-GB"/>
-              <a:t>Colours, Markers, and styles</a:t>
-            </a:r>
-            <a:endParaRPr/>
-          </a:p>
-        </p:txBody>
-      </p:sp>
-      <p:sp>
-        <p:nvSpPr>
-          <p:cNvPr id="349" name="Google Shape;349;p23"/>
-          <p:cNvSpPr txBox="1"/>
-          <p:nvPr>
-            <p:ph idx="1" type="body"/>
-          </p:nvPr>
-        </p:nvSpPr>
-        <p:spPr>
-          <a:xfrm>
-            <a:off x="1303800" y="1597875"/>
-            <a:ext cx="7030500" cy="2541600"/>
-          </a:xfrm>
-          <a:prstGeom prst="rect">
-            <a:avLst/>
-          </a:prstGeom>
-        </p:spPr>
-        <p:txBody>
-          <a:bodyPr anchorCtr="0" anchor="t" bIns="91425" lIns="91425" spcFirstLastPara="1" rIns="91425" wrap="square" tIns="91425">
-            <a:normAutofit/>
-          </a:bodyPr>
-          <a:lstStyle/>
-          <a:p>
-            <a:pPr indent="0" lvl="0" marL="457200" rtl="0" algn="l">
-              <a:spcBef>
-                <a:spcPts val="0"/>
-              </a:spcBef>
-              <a:spcAft>
-                <a:spcPts val="0"/>
-              </a:spcAft>
-              <a:buNone/>
-            </a:pPr>
-            <a:r>
-              <a:rPr lang="en-GB"/>
-              <a:t>Useful links:</a:t>
-            </a:r>
-            <a:endParaRPr/>
-          </a:p>
-          <a:p>
-            <a:pPr indent="-311150" lvl="0" marL="457200" rtl="0" algn="l">
-              <a:spcBef>
-                <a:spcPts val="1200"/>
-              </a:spcBef>
-              <a:spcAft>
-                <a:spcPts val="0"/>
-              </a:spcAft>
-              <a:buSzPts val="1300"/>
-              <a:buChar char="●"/>
-            </a:pPr>
-            <a:r>
-              <a:rPr lang="en-GB"/>
-              <a:t>Different types of markers: </a:t>
-            </a:r>
-            <a:r>
-              <a:rPr lang="en-GB" u="sng">
-                <a:solidFill>
-                  <a:schemeClr val="hlink"/>
-                </a:solidFill>
-                <a:hlinkClick r:id="rId3"/>
-              </a:rPr>
-              <a:t>https://matplotlib.org/stable/api/markers_api.html</a:t>
-            </a:r>
-            <a:r>
-              <a:rPr lang="en-GB"/>
-              <a:t> </a:t>
-            </a:r>
-            <a:endParaRPr/>
-          </a:p>
-          <a:p>
-            <a:pPr indent="-311150" lvl="0" marL="457200" rtl="0" algn="l">
-              <a:spcBef>
-                <a:spcPts val="0"/>
-              </a:spcBef>
-              <a:spcAft>
-                <a:spcPts val="0"/>
-              </a:spcAft>
-              <a:buSzPts val="1300"/>
-              <a:buChar char="●"/>
-            </a:pPr>
-            <a:r>
-              <a:rPr lang="en-GB"/>
-              <a:t>Hex colour codes: </a:t>
-            </a:r>
-            <a:r>
-              <a:rPr lang="en-GB" u="sng">
-                <a:solidFill>
-                  <a:schemeClr val="hlink"/>
-                </a:solidFill>
-                <a:hlinkClick r:id="rId4"/>
-              </a:rPr>
-              <a:t>https://htmlcolorcodes.com/</a:t>
-            </a:r>
-            <a:r>
-              <a:rPr lang="en-GB"/>
-              <a:t> </a:t>
-            </a:r>
-            <a:endParaRPr/>
-          </a:p>
-          <a:p>
-            <a:pPr indent="-311150" lvl="0" marL="457200" rtl="0" algn="l">
-              <a:spcBef>
-                <a:spcPts val="0"/>
-              </a:spcBef>
-              <a:spcAft>
-                <a:spcPts val="0"/>
-              </a:spcAft>
-              <a:buSzPts val="1300"/>
-              <a:buChar char="●"/>
-            </a:pPr>
-            <a:r>
-              <a:rPr lang="en-GB"/>
-              <a:t>Line styles: </a:t>
-            </a:r>
-            <a:r>
-              <a:rPr lang="en-GB" u="sng">
-                <a:solidFill>
-                  <a:schemeClr val="hlink"/>
-                </a:solidFill>
-                <a:hlinkClick r:id="rId5"/>
-              </a:rPr>
-              <a:t>https://developer.mozilla.org/en-US/docs/Web/CSS/line-style</a:t>
-            </a:r>
-            <a:r>
-              <a:rPr lang="en-GB"/>
-              <a:t> </a:t>
-            </a:r>
-            <a:endParaRPr/>
-          </a:p>
-        </p:txBody>
-      </p:sp>
-      <p:pic>
-        <p:nvPicPr>
-          <p:cNvPr id="350" name="Google Shape;350;p23"/>
-          <p:cNvPicPr preferRelativeResize="0"/>
-          <p:nvPr/>
-        </p:nvPicPr>
-        <p:blipFill>
-          <a:blip r:embed="rId6">
-            <a:alphaModFix/>
-          </a:blip>
-          <a:stretch>
-            <a:fillRect/>
-          </a:stretch>
-        </p:blipFill>
-        <p:spPr>
-          <a:xfrm>
-            <a:off x="1820397" y="3015150"/>
-            <a:ext cx="1236425" cy="1378825"/>
           </a:xfrm>
           <a:prstGeom prst="rect">
             <a:avLst/>
@@ -18153,9 +18188,232 @@
           <a:chExt cx="0" cy="0"/>
         </a:xfrm>
       </p:grpSpPr>
+      <p:sp>
+        <p:nvSpPr>
+          <p:cNvPr id="355" name="Google Shape;355;p24"/>
+          <p:cNvSpPr txBox="1"/>
+          <p:nvPr>
+            <p:ph type="title"/>
+          </p:nvPr>
+        </p:nvSpPr>
+        <p:spPr>
+          <a:xfrm>
+            <a:off x="1303800" y="598575"/>
+            <a:ext cx="7030500" cy="999300"/>
+          </a:xfrm>
+          <a:prstGeom prst="rect">
+            <a:avLst/>
+          </a:prstGeom>
+        </p:spPr>
+        <p:txBody>
+          <a:bodyPr anchorCtr="0" anchor="t" bIns="91425" lIns="91425" spcFirstLastPara="1" rIns="91425" wrap="square" tIns="91425">
+            <a:normAutofit/>
+          </a:bodyPr>
+          <a:lstStyle/>
+          <a:p>
+            <a:pPr indent="0" lvl="0" marL="0" rtl="0" algn="l">
+              <a:spcBef>
+                <a:spcPts val="0"/>
+              </a:spcBef>
+              <a:spcAft>
+                <a:spcPts val="0"/>
+              </a:spcAft>
+              <a:buNone/>
+            </a:pPr>
+            <a:r>
+              <a:rPr lang="en-GB"/>
+              <a:t>Colours, Markers, and styles</a:t>
+            </a:r>
+            <a:endParaRPr/>
+          </a:p>
+        </p:txBody>
+      </p:sp>
+      <p:sp>
+        <p:nvSpPr>
+          <p:cNvPr id="356" name="Google Shape;356;p24"/>
+          <p:cNvSpPr txBox="1"/>
+          <p:nvPr>
+            <p:ph idx="1" type="body"/>
+          </p:nvPr>
+        </p:nvSpPr>
+        <p:spPr>
+          <a:xfrm>
+            <a:off x="1303800" y="1597875"/>
+            <a:ext cx="7030500" cy="2541600"/>
+          </a:xfrm>
+          <a:prstGeom prst="rect">
+            <a:avLst/>
+          </a:prstGeom>
+        </p:spPr>
+        <p:txBody>
+          <a:bodyPr anchorCtr="0" anchor="t" bIns="91425" lIns="91425" spcFirstLastPara="1" rIns="91425" wrap="square" tIns="91425">
+            <a:normAutofit/>
+          </a:bodyPr>
+          <a:lstStyle/>
+          <a:p>
+            <a:pPr indent="0" lvl="0" marL="457200" rtl="0" algn="l">
+              <a:spcBef>
+                <a:spcPts val="0"/>
+              </a:spcBef>
+              <a:spcAft>
+                <a:spcPts val="0"/>
+              </a:spcAft>
+              <a:buNone/>
+            </a:pPr>
+            <a:r>
+              <a:rPr lang="en-GB"/>
+              <a:t>Useful links:</a:t>
+            </a:r>
+            <a:endParaRPr/>
+          </a:p>
+          <a:p>
+            <a:pPr indent="-311150" lvl="0" marL="457200" rtl="0" algn="l">
+              <a:spcBef>
+                <a:spcPts val="1200"/>
+              </a:spcBef>
+              <a:spcAft>
+                <a:spcPts val="0"/>
+              </a:spcAft>
+              <a:buSzPts val="1300"/>
+              <a:buChar char="●"/>
+            </a:pPr>
+            <a:r>
+              <a:rPr lang="en-GB"/>
+              <a:t>Different types of markers: </a:t>
+            </a:r>
+            <a:r>
+              <a:rPr lang="en-GB" u="sng">
+                <a:solidFill>
+                  <a:schemeClr val="hlink"/>
+                </a:solidFill>
+                <a:hlinkClick r:id="rId3"/>
+              </a:rPr>
+              <a:t>https://matplotlib.org/stable/api/markers_api.html</a:t>
+            </a:r>
+            <a:r>
+              <a:rPr lang="en-GB"/>
+              <a:t> </a:t>
+            </a:r>
+            <a:endParaRPr/>
+          </a:p>
+          <a:p>
+            <a:pPr indent="-311150" lvl="0" marL="457200" rtl="0" algn="l">
+              <a:spcBef>
+                <a:spcPts val="0"/>
+              </a:spcBef>
+              <a:spcAft>
+                <a:spcPts val="0"/>
+              </a:spcAft>
+              <a:buSzPts val="1300"/>
+              <a:buChar char="●"/>
+            </a:pPr>
+            <a:r>
+              <a:rPr lang="en-GB"/>
+              <a:t>Hex colour codes: </a:t>
+            </a:r>
+            <a:r>
+              <a:rPr lang="en-GB" u="sng">
+                <a:solidFill>
+                  <a:schemeClr val="hlink"/>
+                </a:solidFill>
+                <a:hlinkClick r:id="rId4"/>
+              </a:rPr>
+              <a:t>https://htmlcolorcodes.com/</a:t>
+            </a:r>
+            <a:r>
+              <a:rPr lang="en-GB"/>
+              <a:t> </a:t>
+            </a:r>
+            <a:endParaRPr/>
+          </a:p>
+          <a:p>
+            <a:pPr indent="-311150" lvl="0" marL="457200" rtl="0" algn="l">
+              <a:spcBef>
+                <a:spcPts val="0"/>
+              </a:spcBef>
+              <a:spcAft>
+                <a:spcPts val="0"/>
+              </a:spcAft>
+              <a:buSzPts val="1300"/>
+              <a:buChar char="●"/>
+            </a:pPr>
+            <a:r>
+              <a:rPr lang="en-GB"/>
+              <a:t>Line styles: </a:t>
+            </a:r>
+            <a:r>
+              <a:rPr lang="en-GB" u="sng">
+                <a:solidFill>
+                  <a:schemeClr val="hlink"/>
+                </a:solidFill>
+                <a:hlinkClick r:id="rId5"/>
+              </a:rPr>
+              <a:t>https://developer.mozilla.org/en-US/docs/Web/CSS/line-style</a:t>
+            </a:r>
+            <a:r>
+              <a:rPr lang="en-GB"/>
+              <a:t> </a:t>
+            </a:r>
+            <a:endParaRPr/>
+          </a:p>
+        </p:txBody>
+      </p:sp>
       <p:pic>
         <p:nvPicPr>
-          <p:cNvPr id="355" name="Google Shape;355;p24"/>
+          <p:cNvPr id="357" name="Google Shape;357;p24"/>
+          <p:cNvPicPr preferRelativeResize="0"/>
+          <p:nvPr/>
+        </p:nvPicPr>
+        <p:blipFill>
+          <a:blip r:embed="rId6">
+            <a:alphaModFix/>
+          </a:blip>
+          <a:stretch>
+            <a:fillRect/>
+          </a:stretch>
+        </p:blipFill>
+        <p:spPr>
+          <a:xfrm>
+            <a:off x="1820397" y="3015150"/>
+            <a:ext cx="1236425" cy="1378825"/>
+          </a:xfrm>
+          <a:prstGeom prst="rect">
+            <a:avLst/>
+          </a:prstGeom>
+          <a:noFill/>
+          <a:ln>
+            <a:noFill/>
+          </a:ln>
+        </p:spPr>
+      </p:pic>
+    </p:spTree>
+  </p:cSld>
+  <p:clrMapOvr>
+    <a:masterClrMapping/>
+  </p:clrMapOvr>
+</p:sld>
+</file>
+
+<file path=ppt/slides/slide13.xml><?xml version="1.0" encoding="utf-8"?>
+<p:sld xmlns:a="http://schemas.openxmlformats.org/drawingml/2006/main" xmlns:r="http://schemas.openxmlformats.org/officeDocument/2006/relationships" xmlns:mc="http://schemas.openxmlformats.org/markup-compatibility/2006" xmlns:mv="urn:schemas-microsoft-com:mac:vml" xmlns:p="http://schemas.openxmlformats.org/presentationml/2006/main" xmlns:c="http://schemas.openxmlformats.org/drawingml/2006/chart" xmlns:dgm="http://schemas.openxmlformats.org/drawingml/2006/diagram" xmlns:o="urn:schemas-microsoft-com:office:office" xmlns:v="urn:schemas-microsoft-com:vml" xmlns:pvml="urn:schemas-microsoft-com:office:powerpoint" xmlns:com="http://schemas.openxmlformats.org/drawingml/2006/compatibility" xmlns:p14="http://schemas.microsoft.com/office/powerpoint/2010/main" xmlns:p15="http://schemas.microsoft.com/office/powerpoint/2012/main" xmlns:ahyp="http://schemas.microsoft.com/office/drawing/2018/hyperlinkcolor">
+  <p:cSld>
+    <p:spTree>
+      <p:nvGrpSpPr>
+        <p:cNvPr id="361" name="Shape 361"/>
+        <p:cNvGrpSpPr/>
+        <p:nvPr/>
+      </p:nvGrpSpPr>
+      <p:grpSpPr>
+        <a:xfrm>
+          <a:off x="0" y="0"/>
+          <a:ext cx="0" cy="0"/>
+          <a:chOff x="0" y="0"/>
+          <a:chExt cx="0" cy="0"/>
+        </a:xfrm>
+      </p:grpSpPr>
+      <p:pic>
+        <p:nvPicPr>
+          <p:cNvPr id="362" name="Google Shape;362;p25"/>
           <p:cNvPicPr preferRelativeResize="0"/>
           <p:nvPr/>
         </p:nvPicPr>
@@ -18183,7 +18441,7 @@
       </p:pic>
       <p:pic>
         <p:nvPicPr>
-          <p:cNvPr id="356" name="Google Shape;356;p24"/>
+          <p:cNvPr id="363" name="Google Shape;363;p25"/>
           <p:cNvPicPr preferRelativeResize="0"/>
           <p:nvPr/>
         </p:nvPicPr>
@@ -18217,12 +18475,12 @@
 </p:sld>
 </file>
 
-<file path=ppt/slides/slide13.xml><?xml version="1.0" encoding="utf-8"?>
+<file path=ppt/slides/slide14.xml><?xml version="1.0" encoding="utf-8"?>
 <p:sld xmlns:a="http://schemas.openxmlformats.org/drawingml/2006/main" xmlns:r="http://schemas.openxmlformats.org/officeDocument/2006/relationships" xmlns:mc="http://schemas.openxmlformats.org/markup-compatibility/2006" xmlns:mv="urn:schemas-microsoft-com:mac:vml" xmlns:p="http://schemas.openxmlformats.org/presentationml/2006/main" xmlns:c="http://schemas.openxmlformats.org/drawingml/2006/chart" xmlns:dgm="http://schemas.openxmlformats.org/drawingml/2006/diagram" xmlns:o="urn:schemas-microsoft-com:office:office" xmlns:v="urn:schemas-microsoft-com:vml" xmlns:pvml="urn:schemas-microsoft-com:office:powerpoint" xmlns:com="http://schemas.openxmlformats.org/drawingml/2006/compatibility" xmlns:p14="http://schemas.microsoft.com/office/powerpoint/2010/main" xmlns:p15="http://schemas.microsoft.com/office/powerpoint/2012/main" xmlns:ahyp="http://schemas.microsoft.com/office/drawing/2018/hyperlinkcolor">
   <p:cSld>
     <p:spTree>
       <p:nvGrpSpPr>
-        <p:cNvPr id="360" name="Shape 360"/>
+        <p:cNvPr id="367" name="Shape 367"/>
         <p:cNvGrpSpPr/>
         <p:nvPr/>
       </p:nvGrpSpPr>
@@ -18236,7 +18494,7 @@
       </p:grpSpPr>
       <p:pic>
         <p:nvPicPr>
-          <p:cNvPr id="361" name="Google Shape;361;p25"/>
+          <p:cNvPr id="368" name="Google Shape;368;p26"/>
           <p:cNvPicPr preferRelativeResize="0"/>
           <p:nvPr/>
         </p:nvPicPr>
@@ -18250,8 +18508,8 @@
         </p:blipFill>
         <p:spPr>
           <a:xfrm>
-            <a:off x="1171725" y="555925"/>
-            <a:ext cx="6927775" cy="912000"/>
+            <a:off x="1237363" y="334675"/>
+            <a:ext cx="7349226" cy="4257325"/>
           </a:xfrm>
           <a:prstGeom prst="rect">
             <a:avLst/>
@@ -18262,259 +18520,6 @@
           </a:ln>
         </p:spPr>
       </p:pic>
-      <p:pic>
-        <p:nvPicPr>
-          <p:cNvPr id="362" name="Google Shape;362;p25"/>
-          <p:cNvPicPr preferRelativeResize="0"/>
-          <p:nvPr/>
-        </p:nvPicPr>
-        <p:blipFill>
-          <a:blip r:embed="rId4">
-            <a:alphaModFix/>
-          </a:blip>
-          <a:stretch>
-            <a:fillRect/>
-          </a:stretch>
-        </p:blipFill>
-        <p:spPr>
-          <a:xfrm>
-            <a:off x="1171725" y="1531375"/>
-            <a:ext cx="4658025" cy="3221875"/>
-          </a:xfrm>
-          <a:prstGeom prst="rect">
-            <a:avLst/>
-          </a:prstGeom>
-          <a:noFill/>
-          <a:ln>
-            <a:noFill/>
-          </a:ln>
-        </p:spPr>
-      </p:pic>
-    </p:spTree>
-  </p:cSld>
-  <p:clrMapOvr>
-    <a:masterClrMapping/>
-  </p:clrMapOvr>
-</p:sld>
-</file>
-
-<file path=ppt/slides/slide14.xml><?xml version="1.0" encoding="utf-8"?>
-<p:sld xmlns:a="http://schemas.openxmlformats.org/drawingml/2006/main" xmlns:r="http://schemas.openxmlformats.org/officeDocument/2006/relationships" xmlns:mc="http://schemas.openxmlformats.org/markup-compatibility/2006" xmlns:mv="urn:schemas-microsoft-com:mac:vml" xmlns:p="http://schemas.openxmlformats.org/presentationml/2006/main" xmlns:c="http://schemas.openxmlformats.org/drawingml/2006/chart" xmlns:dgm="http://schemas.openxmlformats.org/drawingml/2006/diagram" xmlns:o="urn:schemas-microsoft-com:office:office" xmlns:v="urn:schemas-microsoft-com:vml" xmlns:pvml="urn:schemas-microsoft-com:office:powerpoint" xmlns:com="http://schemas.openxmlformats.org/drawingml/2006/compatibility" xmlns:p14="http://schemas.microsoft.com/office/powerpoint/2010/main" xmlns:p15="http://schemas.microsoft.com/office/powerpoint/2012/main" xmlns:ahyp="http://schemas.microsoft.com/office/drawing/2018/hyperlinkcolor">
-  <p:cSld>
-    <p:spTree>
-      <p:nvGrpSpPr>
-        <p:cNvPr id="366" name="Shape 366"/>
-        <p:cNvGrpSpPr/>
-        <p:nvPr/>
-      </p:nvGrpSpPr>
-      <p:grpSpPr>
-        <a:xfrm>
-          <a:off x="0" y="0"/>
-          <a:ext cx="0" cy="0"/>
-          <a:chOff x="0" y="0"/>
-          <a:chExt cx="0" cy="0"/>
-        </a:xfrm>
-      </p:grpSpPr>
-      <p:sp>
-        <p:nvSpPr>
-          <p:cNvPr id="367" name="Google Shape;367;p26"/>
-          <p:cNvSpPr txBox="1"/>
-          <p:nvPr>
-            <p:ph type="title"/>
-          </p:nvPr>
-        </p:nvSpPr>
-        <p:spPr>
-          <a:xfrm>
-            <a:off x="1303800" y="598575"/>
-            <a:ext cx="7030500" cy="999300"/>
-          </a:xfrm>
-          <a:prstGeom prst="rect">
-            <a:avLst/>
-          </a:prstGeom>
-        </p:spPr>
-        <p:txBody>
-          <a:bodyPr anchorCtr="0" anchor="t" bIns="91425" lIns="91425" spcFirstLastPara="1" rIns="91425" wrap="square" tIns="91425">
-            <a:normAutofit/>
-          </a:bodyPr>
-          <a:lstStyle/>
-          <a:p>
-            <a:pPr indent="0" lvl="0" marL="0" rtl="0" algn="l">
-              <a:spcBef>
-                <a:spcPts val="0"/>
-              </a:spcBef>
-              <a:spcAft>
-                <a:spcPts val="0"/>
-              </a:spcAft>
-              <a:buNone/>
-            </a:pPr>
-            <a:r>
-              <a:rPr lang="en-GB"/>
-              <a:t>Statistical Distributions</a:t>
-            </a:r>
-            <a:endParaRPr/>
-          </a:p>
-        </p:txBody>
-      </p:sp>
-      <p:sp>
-        <p:nvSpPr>
-          <p:cNvPr id="368" name="Google Shape;368;p26"/>
-          <p:cNvSpPr txBox="1"/>
-          <p:nvPr>
-            <p:ph idx="1" type="body"/>
-          </p:nvPr>
-        </p:nvSpPr>
-        <p:spPr>
-          <a:xfrm>
-            <a:off x="1303800" y="1990050"/>
-            <a:ext cx="7030500" cy="2541600"/>
-          </a:xfrm>
-          <a:prstGeom prst="rect">
-            <a:avLst/>
-          </a:prstGeom>
-        </p:spPr>
-        <p:txBody>
-          <a:bodyPr anchorCtr="0" anchor="t" bIns="91425" lIns="91425" spcFirstLastPara="1" rIns="91425" wrap="square" tIns="91425">
-            <a:normAutofit/>
-          </a:bodyPr>
-          <a:lstStyle/>
-          <a:p>
-            <a:pPr indent="-311150" lvl="0" marL="457200" rtl="0" algn="l">
-              <a:spcBef>
-                <a:spcPts val="0"/>
-              </a:spcBef>
-              <a:spcAft>
-                <a:spcPts val="0"/>
-              </a:spcAft>
-              <a:buSzPts val="1300"/>
-              <a:buChar char="●"/>
-            </a:pPr>
-            <a:r>
-              <a:rPr lang="en-GB"/>
-              <a:t>Histograms (1D &amp; 2D)</a:t>
-            </a:r>
-            <a:endParaRPr/>
-          </a:p>
-          <a:p>
-            <a:pPr indent="-311150" lvl="0" marL="457200" rtl="0" algn="l">
-              <a:spcBef>
-                <a:spcPts val="0"/>
-              </a:spcBef>
-              <a:spcAft>
-                <a:spcPts val="0"/>
-              </a:spcAft>
-              <a:buSzPts val="1300"/>
-              <a:buChar char="●"/>
-            </a:pPr>
-            <a:r>
-              <a:rPr lang="en-GB"/>
-              <a:t>Box plot</a:t>
-            </a:r>
-            <a:endParaRPr/>
-          </a:p>
-          <a:p>
-            <a:pPr indent="-311150" lvl="0" marL="457200" rtl="0" algn="l">
-              <a:spcBef>
-                <a:spcPts val="0"/>
-              </a:spcBef>
-              <a:spcAft>
-                <a:spcPts val="0"/>
-              </a:spcAft>
-              <a:buSzPts val="1300"/>
-              <a:buChar char="●"/>
-            </a:pPr>
-            <a:r>
-              <a:rPr lang="en-GB"/>
-              <a:t>Error Bars</a:t>
-            </a:r>
-            <a:endParaRPr/>
-          </a:p>
-          <a:p>
-            <a:pPr indent="-311150" lvl="0" marL="457200" rtl="0" algn="l">
-              <a:spcBef>
-                <a:spcPts val="0"/>
-              </a:spcBef>
-              <a:spcAft>
-                <a:spcPts val="0"/>
-              </a:spcAft>
-              <a:buSzPts val="1300"/>
-              <a:buChar char="●"/>
-            </a:pPr>
-            <a:r>
-              <a:rPr lang="en-GB"/>
-              <a:t>Violin Plot</a:t>
-            </a:r>
-            <a:endParaRPr/>
-          </a:p>
-          <a:p>
-            <a:pPr indent="-311150" lvl="0" marL="457200" rtl="0" algn="l">
-              <a:spcBef>
-                <a:spcPts val="0"/>
-              </a:spcBef>
-              <a:spcAft>
-                <a:spcPts val="0"/>
-              </a:spcAft>
-              <a:buSzPts val="1300"/>
-              <a:buChar char="●"/>
-            </a:pPr>
-            <a:r>
-              <a:rPr lang="en-GB"/>
-              <a:t>Event Plot</a:t>
-            </a:r>
-            <a:endParaRPr/>
-          </a:p>
-          <a:p>
-            <a:pPr indent="-311150" lvl="0" marL="457200" rtl="0" algn="l">
-              <a:spcBef>
-                <a:spcPts val="0"/>
-              </a:spcBef>
-              <a:spcAft>
-                <a:spcPts val="0"/>
-              </a:spcAft>
-              <a:buSzPts val="1300"/>
-              <a:buChar char="●"/>
-            </a:pPr>
-            <a:r>
-              <a:rPr lang="en-GB"/>
-              <a:t>Hexbin Plot</a:t>
-            </a:r>
-            <a:endParaRPr/>
-          </a:p>
-          <a:p>
-            <a:pPr indent="-311150" lvl="0" marL="457200" rtl="0" algn="l">
-              <a:spcBef>
-                <a:spcPts val="0"/>
-              </a:spcBef>
-              <a:spcAft>
-                <a:spcPts val="0"/>
-              </a:spcAft>
-              <a:buSzPts val="1300"/>
-              <a:buChar char="●"/>
-            </a:pPr>
-            <a:r>
-              <a:rPr lang="en-GB"/>
-              <a:t>Pie Chart</a:t>
-            </a:r>
-            <a:endParaRPr/>
-          </a:p>
-          <a:p>
-            <a:pPr indent="-311150" lvl="0" marL="457200" rtl="0" algn="l">
-              <a:spcBef>
-                <a:spcPts val="0"/>
-              </a:spcBef>
-              <a:spcAft>
-                <a:spcPts val="0"/>
-              </a:spcAft>
-              <a:buSzPts val="1300"/>
-              <a:buChar char="●"/>
-            </a:pPr>
-            <a:r>
-              <a:rPr lang="en-GB"/>
-              <a:t>Cumulative Distribution Plot</a:t>
-            </a:r>
-            <a:endParaRPr/>
-          </a:p>
-        </p:txBody>
-      </p:sp>
     </p:spTree>
   </p:cSld>
   <p:clrMapOvr>
@@ -18574,6 +18579,231 @@
             </a:pPr>
             <a:r>
               <a:rPr lang="en-GB"/>
+              <a:t>Statistical Distributions</a:t>
+            </a:r>
+            <a:endParaRPr/>
+          </a:p>
+        </p:txBody>
+      </p:sp>
+      <p:sp>
+        <p:nvSpPr>
+          <p:cNvPr id="374" name="Google Shape;374;p27"/>
+          <p:cNvSpPr txBox="1"/>
+          <p:nvPr>
+            <p:ph idx="1" type="body"/>
+          </p:nvPr>
+        </p:nvSpPr>
+        <p:spPr>
+          <a:xfrm>
+            <a:off x="1303800" y="1990050"/>
+            <a:ext cx="7030500" cy="2541600"/>
+          </a:xfrm>
+          <a:prstGeom prst="rect">
+            <a:avLst/>
+          </a:prstGeom>
+        </p:spPr>
+        <p:txBody>
+          <a:bodyPr anchorCtr="0" anchor="t" bIns="91425" lIns="91425" spcFirstLastPara="1" rIns="91425" wrap="square" tIns="91425">
+            <a:normAutofit/>
+          </a:bodyPr>
+          <a:lstStyle/>
+          <a:p>
+            <a:pPr indent="-311150" lvl="0" marL="457200" rtl="0" algn="l">
+              <a:spcBef>
+                <a:spcPts val="0"/>
+              </a:spcBef>
+              <a:spcAft>
+                <a:spcPts val="0"/>
+              </a:spcAft>
+              <a:buSzPts val="1300"/>
+              <a:buChar char="●"/>
+            </a:pPr>
+            <a:r>
+              <a:rPr lang="en-GB"/>
+              <a:t>Histograms (1D &amp; 2D)</a:t>
+            </a:r>
+            <a:endParaRPr/>
+          </a:p>
+          <a:p>
+            <a:pPr indent="-311150" lvl="0" marL="457200" rtl="0" algn="l">
+              <a:spcBef>
+                <a:spcPts val="0"/>
+              </a:spcBef>
+              <a:spcAft>
+                <a:spcPts val="0"/>
+              </a:spcAft>
+              <a:buSzPts val="1300"/>
+              <a:buChar char="●"/>
+            </a:pPr>
+            <a:r>
+              <a:rPr lang="en-GB"/>
+              <a:t>Box plot</a:t>
+            </a:r>
+            <a:endParaRPr/>
+          </a:p>
+          <a:p>
+            <a:pPr indent="-311150" lvl="0" marL="457200" rtl="0" algn="l">
+              <a:spcBef>
+                <a:spcPts val="0"/>
+              </a:spcBef>
+              <a:spcAft>
+                <a:spcPts val="0"/>
+              </a:spcAft>
+              <a:buSzPts val="1300"/>
+              <a:buChar char="●"/>
+            </a:pPr>
+            <a:r>
+              <a:rPr lang="en-GB"/>
+              <a:t>Error Bars</a:t>
+            </a:r>
+            <a:endParaRPr/>
+          </a:p>
+          <a:p>
+            <a:pPr indent="-311150" lvl="0" marL="457200" rtl="0" algn="l">
+              <a:spcBef>
+                <a:spcPts val="0"/>
+              </a:spcBef>
+              <a:spcAft>
+                <a:spcPts val="0"/>
+              </a:spcAft>
+              <a:buSzPts val="1300"/>
+              <a:buChar char="●"/>
+            </a:pPr>
+            <a:r>
+              <a:rPr lang="en-GB"/>
+              <a:t>Violin Plot</a:t>
+            </a:r>
+            <a:endParaRPr/>
+          </a:p>
+          <a:p>
+            <a:pPr indent="-311150" lvl="0" marL="457200" rtl="0" algn="l">
+              <a:spcBef>
+                <a:spcPts val="0"/>
+              </a:spcBef>
+              <a:spcAft>
+                <a:spcPts val="0"/>
+              </a:spcAft>
+              <a:buSzPts val="1300"/>
+              <a:buChar char="●"/>
+            </a:pPr>
+            <a:r>
+              <a:rPr lang="en-GB"/>
+              <a:t>Event Plot</a:t>
+            </a:r>
+            <a:endParaRPr/>
+          </a:p>
+          <a:p>
+            <a:pPr indent="-311150" lvl="0" marL="457200" rtl="0" algn="l">
+              <a:spcBef>
+                <a:spcPts val="0"/>
+              </a:spcBef>
+              <a:spcAft>
+                <a:spcPts val="0"/>
+              </a:spcAft>
+              <a:buSzPts val="1300"/>
+              <a:buChar char="●"/>
+            </a:pPr>
+            <a:r>
+              <a:rPr lang="en-GB"/>
+              <a:t>Hexbin Plot</a:t>
+            </a:r>
+            <a:endParaRPr/>
+          </a:p>
+          <a:p>
+            <a:pPr indent="-311150" lvl="0" marL="457200" rtl="0" algn="l">
+              <a:spcBef>
+                <a:spcPts val="0"/>
+              </a:spcBef>
+              <a:spcAft>
+                <a:spcPts val="0"/>
+              </a:spcAft>
+              <a:buSzPts val="1300"/>
+              <a:buChar char="●"/>
+            </a:pPr>
+            <a:r>
+              <a:rPr lang="en-GB"/>
+              <a:t>Pie Chart</a:t>
+            </a:r>
+            <a:endParaRPr/>
+          </a:p>
+          <a:p>
+            <a:pPr indent="-311150" lvl="0" marL="457200" rtl="0" algn="l">
+              <a:spcBef>
+                <a:spcPts val="0"/>
+              </a:spcBef>
+              <a:spcAft>
+                <a:spcPts val="0"/>
+              </a:spcAft>
+              <a:buSzPts val="1300"/>
+              <a:buChar char="●"/>
+            </a:pPr>
+            <a:r>
+              <a:rPr lang="en-GB"/>
+              <a:t>Cumulative Distribution Plot</a:t>
+            </a:r>
+            <a:endParaRPr/>
+          </a:p>
+        </p:txBody>
+      </p:sp>
+    </p:spTree>
+  </p:cSld>
+  <p:clrMapOvr>
+    <a:masterClrMapping/>
+  </p:clrMapOvr>
+</p:sld>
+</file>
+
+<file path=ppt/slides/slide16.xml><?xml version="1.0" encoding="utf-8"?>
+<p:sld xmlns:a="http://schemas.openxmlformats.org/drawingml/2006/main" xmlns:r="http://schemas.openxmlformats.org/officeDocument/2006/relationships" xmlns:mc="http://schemas.openxmlformats.org/markup-compatibility/2006" xmlns:mv="urn:schemas-microsoft-com:mac:vml" xmlns:p="http://schemas.openxmlformats.org/presentationml/2006/main" xmlns:c="http://schemas.openxmlformats.org/drawingml/2006/chart" xmlns:dgm="http://schemas.openxmlformats.org/drawingml/2006/diagram" xmlns:o="urn:schemas-microsoft-com:office:office" xmlns:v="urn:schemas-microsoft-com:vml" xmlns:pvml="urn:schemas-microsoft-com:office:powerpoint" xmlns:com="http://schemas.openxmlformats.org/drawingml/2006/compatibility" xmlns:p14="http://schemas.microsoft.com/office/powerpoint/2010/main" xmlns:p15="http://schemas.microsoft.com/office/powerpoint/2012/main" xmlns:ahyp="http://schemas.microsoft.com/office/drawing/2018/hyperlinkcolor">
+  <p:cSld>
+    <p:spTree>
+      <p:nvGrpSpPr>
+        <p:cNvPr id="378" name="Shape 378"/>
+        <p:cNvGrpSpPr/>
+        <p:nvPr/>
+      </p:nvGrpSpPr>
+      <p:grpSpPr>
+        <a:xfrm>
+          <a:off x="0" y="0"/>
+          <a:ext cx="0" cy="0"/>
+          <a:chOff x="0" y="0"/>
+          <a:chExt cx="0" cy="0"/>
+        </a:xfrm>
+      </p:grpSpPr>
+      <p:sp>
+        <p:nvSpPr>
+          <p:cNvPr id="379" name="Google Shape;379;p28"/>
+          <p:cNvSpPr txBox="1"/>
+          <p:nvPr>
+            <p:ph type="title"/>
+          </p:nvPr>
+        </p:nvSpPr>
+        <p:spPr>
+          <a:xfrm>
+            <a:off x="1303800" y="598575"/>
+            <a:ext cx="7030500" cy="999300"/>
+          </a:xfrm>
+          <a:prstGeom prst="rect">
+            <a:avLst/>
+          </a:prstGeom>
+        </p:spPr>
+        <p:txBody>
+          <a:bodyPr anchorCtr="0" anchor="t" bIns="91425" lIns="91425" spcFirstLastPara="1" rIns="91425" wrap="square" tIns="91425">
+            <a:normAutofit/>
+          </a:bodyPr>
+          <a:lstStyle/>
+          <a:p>
+            <a:pPr indent="0" lvl="0" marL="0" rtl="0" algn="l">
+              <a:spcBef>
+                <a:spcPts val="0"/>
+              </a:spcBef>
+              <a:spcAft>
+                <a:spcPts val="0"/>
+              </a:spcAft>
+              <a:buNone/>
+            </a:pPr>
+            <a:r>
+              <a:rPr lang="en-GB"/>
               <a:t>Histogram</a:t>
             </a:r>
             <a:endParaRPr/>
@@ -18582,7 +18812,7 @@
       </p:sp>
       <p:sp>
         <p:nvSpPr>
-          <p:cNvPr id="374" name="Google Shape;374;p27"/>
+          <p:cNvPr id="380" name="Google Shape;380;p28"/>
           <p:cNvSpPr txBox="1"/>
           <p:nvPr>
             <p:ph idx="1" type="body"/>
@@ -18729,12 +18959,12 @@
 </p:sld>
 </file>
 
-<file path=ppt/slides/slide16.xml><?xml version="1.0" encoding="utf-8"?>
+<file path=ppt/slides/slide17.xml><?xml version="1.0" encoding="utf-8"?>
 <p:sld xmlns:a="http://schemas.openxmlformats.org/drawingml/2006/main" xmlns:r="http://schemas.openxmlformats.org/officeDocument/2006/relationships" xmlns:mc="http://schemas.openxmlformats.org/markup-compatibility/2006" xmlns:mv="urn:schemas-microsoft-com:mac:vml" xmlns:p="http://schemas.openxmlformats.org/presentationml/2006/main" xmlns:c="http://schemas.openxmlformats.org/drawingml/2006/chart" xmlns:dgm="http://schemas.openxmlformats.org/drawingml/2006/diagram" xmlns:o="urn:schemas-microsoft-com:office:office" xmlns:v="urn:schemas-microsoft-com:vml" xmlns:pvml="urn:schemas-microsoft-com:office:powerpoint" xmlns:com="http://schemas.openxmlformats.org/drawingml/2006/compatibility" xmlns:p14="http://schemas.microsoft.com/office/powerpoint/2010/main" xmlns:p15="http://schemas.microsoft.com/office/powerpoint/2012/main" xmlns:ahyp="http://schemas.microsoft.com/office/drawing/2018/hyperlinkcolor">
   <p:cSld>
     <p:spTree>
       <p:nvGrpSpPr>
-        <p:cNvPr id="378" name="Shape 378"/>
+        <p:cNvPr id="384" name="Shape 384"/>
         <p:cNvGrpSpPr/>
         <p:nvPr/>
       </p:nvGrpSpPr>
@@ -18748,7 +18978,7 @@
       </p:grpSpPr>
       <p:pic>
         <p:nvPicPr>
-          <p:cNvPr id="379" name="Google Shape;379;p28"/>
+          <p:cNvPr id="385" name="Google Shape;385;p29"/>
           <p:cNvPicPr preferRelativeResize="0"/>
           <p:nvPr/>
         </p:nvPicPr>
@@ -18776,7 +19006,7 @@
       </p:pic>
       <p:pic>
         <p:nvPicPr>
-          <p:cNvPr id="380" name="Google Shape;380;p28"/>
+          <p:cNvPr id="386" name="Google Shape;386;p29"/>
           <p:cNvPicPr preferRelativeResize="0"/>
           <p:nvPr/>
         </p:nvPicPr>
@@ -18804,7 +19034,7 @@
       </p:pic>
       <p:pic>
         <p:nvPicPr>
-          <p:cNvPr id="381" name="Google Shape;381;p28"/>
+          <p:cNvPr id="387" name="Google Shape;387;p29"/>
           <p:cNvPicPr preferRelativeResize="0"/>
           <p:nvPr/>
         </p:nvPicPr>
@@ -18838,12 +19068,12 @@
 </p:sld>
 </file>
 
-<file path=ppt/slides/slide17.xml><?xml version="1.0" encoding="utf-8"?>
+<file path=ppt/slides/slide18.xml><?xml version="1.0" encoding="utf-8"?>
 <p:sld xmlns:a="http://schemas.openxmlformats.org/drawingml/2006/main" xmlns:r="http://schemas.openxmlformats.org/officeDocument/2006/relationships" xmlns:mc="http://schemas.openxmlformats.org/markup-compatibility/2006" xmlns:mv="urn:schemas-microsoft-com:mac:vml" xmlns:p="http://schemas.openxmlformats.org/presentationml/2006/main" xmlns:c="http://schemas.openxmlformats.org/drawingml/2006/chart" xmlns:dgm="http://schemas.openxmlformats.org/drawingml/2006/diagram" xmlns:o="urn:schemas-microsoft-com:office:office" xmlns:v="urn:schemas-microsoft-com:vml" xmlns:pvml="urn:schemas-microsoft-com:office:powerpoint" xmlns:com="http://schemas.openxmlformats.org/drawingml/2006/compatibility" xmlns:p14="http://schemas.microsoft.com/office/powerpoint/2010/main" xmlns:p15="http://schemas.microsoft.com/office/powerpoint/2012/main" xmlns:ahyp="http://schemas.microsoft.com/office/drawing/2018/hyperlinkcolor">
   <p:cSld>
     <p:spTree>
       <p:nvGrpSpPr>
-        <p:cNvPr id="385" name="Shape 385"/>
+        <p:cNvPr id="391" name="Shape 391"/>
         <p:cNvGrpSpPr/>
         <p:nvPr/>
       </p:nvGrpSpPr>
@@ -18857,7 +19087,7 @@
       </p:grpSpPr>
       <p:sp>
         <p:nvSpPr>
-          <p:cNvPr id="386" name="Google Shape;386;p29"/>
+          <p:cNvPr id="392" name="Google Shape;392;p30"/>
           <p:cNvSpPr txBox="1"/>
           <p:nvPr>
             <p:ph type="title"/>
@@ -18896,7 +19126,7 @@
       </p:sp>
       <p:sp>
         <p:nvSpPr>
-          <p:cNvPr id="387" name="Google Shape;387;p29"/>
+          <p:cNvPr id="393" name="Google Shape;393;p30"/>
           <p:cNvSpPr txBox="1"/>
           <p:nvPr>
             <p:ph idx="1" type="body"/>
@@ -18935,7 +19165,7 @@
       </p:sp>
       <p:pic>
         <p:nvPicPr>
-          <p:cNvPr id="388" name="Google Shape;388;p29"/>
+          <p:cNvPr id="394" name="Google Shape;394;p30"/>
           <p:cNvPicPr preferRelativeResize="0"/>
           <p:nvPr/>
         </p:nvPicPr>
@@ -18969,12 +19199,12 @@
 </p:sld>
 </file>
 
-<file path=ppt/slides/slide18.xml><?xml version="1.0" encoding="utf-8"?>
+<file path=ppt/slides/slide19.xml><?xml version="1.0" encoding="utf-8"?>
 <p:sld xmlns:a="http://schemas.openxmlformats.org/drawingml/2006/main" xmlns:r="http://schemas.openxmlformats.org/officeDocument/2006/relationships" xmlns:mc="http://schemas.openxmlformats.org/markup-compatibility/2006" xmlns:mv="urn:schemas-microsoft-com:mac:vml" xmlns:p="http://schemas.openxmlformats.org/presentationml/2006/main" xmlns:c="http://schemas.openxmlformats.org/drawingml/2006/chart" xmlns:dgm="http://schemas.openxmlformats.org/drawingml/2006/diagram" xmlns:o="urn:schemas-microsoft-com:office:office" xmlns:v="urn:schemas-microsoft-com:vml" xmlns:pvml="urn:schemas-microsoft-com:office:powerpoint" xmlns:com="http://schemas.openxmlformats.org/drawingml/2006/compatibility" xmlns:p14="http://schemas.microsoft.com/office/powerpoint/2010/main" xmlns:p15="http://schemas.microsoft.com/office/powerpoint/2012/main" xmlns:ahyp="http://schemas.microsoft.com/office/drawing/2018/hyperlinkcolor">
   <p:cSld>
     <p:spTree>
       <p:nvGrpSpPr>
-        <p:cNvPr id="392" name="Shape 392"/>
+        <p:cNvPr id="398" name="Shape 398"/>
         <p:cNvGrpSpPr/>
         <p:nvPr/>
       </p:nvGrpSpPr>
@@ -18988,7 +19218,7 @@
       </p:grpSpPr>
       <p:pic>
         <p:nvPicPr>
-          <p:cNvPr id="393" name="Google Shape;393;p30"/>
+          <p:cNvPr id="399" name="Google Shape;399;p31"/>
           <p:cNvPicPr preferRelativeResize="0"/>
           <p:nvPr/>
         </p:nvPicPr>
@@ -19004,215 +19234,6 @@
           <a:xfrm>
             <a:off x="1763225" y="236475"/>
             <a:ext cx="5617549" cy="4470976"/>
-          </a:xfrm>
-          <a:prstGeom prst="rect">
-            <a:avLst/>
-          </a:prstGeom>
-          <a:noFill/>
-          <a:ln>
-            <a:noFill/>
-          </a:ln>
-        </p:spPr>
-      </p:pic>
-    </p:spTree>
-  </p:cSld>
-  <p:clrMapOvr>
-    <a:masterClrMapping/>
-  </p:clrMapOvr>
-</p:sld>
-</file>
-
-<file path=ppt/slides/slide19.xml><?xml version="1.0" encoding="utf-8"?>
-<p:sld xmlns:a="http://schemas.openxmlformats.org/drawingml/2006/main" xmlns:r="http://schemas.openxmlformats.org/officeDocument/2006/relationships" xmlns:mc="http://schemas.openxmlformats.org/markup-compatibility/2006" xmlns:mv="urn:schemas-microsoft-com:mac:vml" xmlns:p="http://schemas.openxmlformats.org/presentationml/2006/main" xmlns:c="http://schemas.openxmlformats.org/drawingml/2006/chart" xmlns:dgm="http://schemas.openxmlformats.org/drawingml/2006/diagram" xmlns:o="urn:schemas-microsoft-com:office:office" xmlns:v="urn:schemas-microsoft-com:vml" xmlns:pvml="urn:schemas-microsoft-com:office:powerpoint" xmlns:com="http://schemas.openxmlformats.org/drawingml/2006/compatibility" xmlns:p14="http://schemas.microsoft.com/office/powerpoint/2010/main" xmlns:p15="http://schemas.microsoft.com/office/powerpoint/2012/main" xmlns:ahyp="http://schemas.microsoft.com/office/drawing/2018/hyperlinkcolor">
-  <p:cSld>
-    <p:spTree>
-      <p:nvGrpSpPr>
-        <p:cNvPr id="397" name="Shape 397"/>
-        <p:cNvGrpSpPr/>
-        <p:nvPr/>
-      </p:nvGrpSpPr>
-      <p:grpSpPr>
-        <a:xfrm>
-          <a:off x="0" y="0"/>
-          <a:ext cx="0" cy="0"/>
-          <a:chOff x="0" y="0"/>
-          <a:chExt cx="0" cy="0"/>
-        </a:xfrm>
-      </p:grpSpPr>
-      <p:sp>
-        <p:nvSpPr>
-          <p:cNvPr id="398" name="Google Shape;398;p31"/>
-          <p:cNvSpPr txBox="1"/>
-          <p:nvPr>
-            <p:ph type="title"/>
-          </p:nvPr>
-        </p:nvSpPr>
-        <p:spPr>
-          <a:xfrm>
-            <a:off x="1303800" y="598575"/>
-            <a:ext cx="7030500" cy="999300"/>
-          </a:xfrm>
-          <a:prstGeom prst="rect">
-            <a:avLst/>
-          </a:prstGeom>
-        </p:spPr>
-        <p:txBody>
-          <a:bodyPr anchorCtr="0" anchor="t" bIns="91425" lIns="91425" spcFirstLastPara="1" rIns="91425" wrap="square" tIns="91425">
-            <a:normAutofit/>
-          </a:bodyPr>
-          <a:lstStyle/>
-          <a:p>
-            <a:pPr indent="0" lvl="0" marL="0" rtl="0" algn="l">
-              <a:spcBef>
-                <a:spcPts val="0"/>
-              </a:spcBef>
-              <a:spcAft>
-                <a:spcPts val="0"/>
-              </a:spcAft>
-              <a:buNone/>
-            </a:pPr>
-            <a:r>
-              <a:rPr lang="en-GB"/>
-              <a:t>Boxplot</a:t>
-            </a:r>
-            <a:endParaRPr/>
-          </a:p>
-        </p:txBody>
-      </p:sp>
-      <p:sp>
-        <p:nvSpPr>
-          <p:cNvPr id="399" name="Google Shape;399;p31"/>
-          <p:cNvSpPr txBox="1"/>
-          <p:nvPr>
-            <p:ph idx="1" type="body"/>
-          </p:nvPr>
-        </p:nvSpPr>
-        <p:spPr>
-          <a:xfrm>
-            <a:off x="1030375" y="1256600"/>
-            <a:ext cx="3935700" cy="3694800"/>
-          </a:xfrm>
-          <a:prstGeom prst="rect">
-            <a:avLst/>
-          </a:prstGeom>
-        </p:spPr>
-        <p:txBody>
-          <a:bodyPr anchorCtr="0" anchor="t" bIns="91425" lIns="91425" spcFirstLastPara="1" rIns="91425" wrap="square" tIns="91425">
-            <a:normAutofit fontScale="92500" lnSpcReduction="10000"/>
-          </a:bodyPr>
-          <a:lstStyle/>
-          <a:p>
-            <a:pPr indent="0" lvl="0" marL="279400" marR="660400" rtl="0" algn="l">
-              <a:spcBef>
-                <a:spcPts val="600"/>
-              </a:spcBef>
-              <a:spcAft>
-                <a:spcPts val="0"/>
-              </a:spcAft>
-              <a:buNone/>
-            </a:pPr>
-            <a:r>
-              <a:rPr lang="en-GB"/>
-              <a:t>Standardized way of displaying the distribution of data based on a five-number summary: minimum, first quartile (Q1), median (Q2), third quartile (Q3), and maximum. The box represents the interquartile range (IQR) (Q3 - Q1), with the median marked by a line inside the box. Whiskers extend from the box to show the range of the data outside the IQR, and outliers are often displayed individually.</a:t>
-            </a:r>
-            <a:endParaRPr/>
-          </a:p>
-          <a:p>
-            <a:pPr indent="0" lvl="0" marL="279400" marR="660400" rtl="0" algn="l">
-              <a:spcBef>
-                <a:spcPts val="600"/>
-              </a:spcBef>
-              <a:spcAft>
-                <a:spcPts val="0"/>
-              </a:spcAft>
-              <a:buNone/>
-            </a:pPr>
-            <a:r>
-              <a:t/>
-            </a:r>
-            <a:endParaRPr/>
-          </a:p>
-          <a:p>
-            <a:pPr indent="0" lvl="0" marL="279400" marR="660400" rtl="0" algn="l">
-              <a:spcBef>
-                <a:spcPts val="600"/>
-              </a:spcBef>
-              <a:spcAft>
-                <a:spcPts val="0"/>
-              </a:spcAft>
-              <a:buNone/>
-            </a:pPr>
-            <a:r>
-              <a:rPr lang="en-GB"/>
-              <a:t>Useful for comparing distributions of data across different groups or variables and for identifying outliers and skewness in the data</a:t>
-            </a:r>
-            <a:r>
-              <a:rPr lang="en-GB" sz="1200">
-                <a:solidFill>
-                  <a:srgbClr val="212121"/>
-                </a:solidFill>
-                <a:highlight>
-                  <a:srgbClr val="FFFFFF"/>
-                </a:highlight>
-                <a:latin typeface="Roboto"/>
-                <a:ea typeface="Roboto"/>
-                <a:cs typeface="Roboto"/>
-                <a:sym typeface="Roboto"/>
-              </a:rPr>
-              <a:t>.</a:t>
-            </a:r>
-            <a:r>
-              <a:rPr lang="en-GB"/>
-              <a:t> </a:t>
-            </a:r>
-            <a:endParaRPr sz="1200">
-              <a:solidFill>
-                <a:srgbClr val="212121"/>
-              </a:solidFill>
-              <a:highlight>
-                <a:srgbClr val="FFFFFF"/>
-              </a:highlight>
-              <a:latin typeface="Roboto"/>
-              <a:ea typeface="Roboto"/>
-              <a:cs typeface="Roboto"/>
-              <a:sym typeface="Roboto"/>
-            </a:endParaRPr>
-          </a:p>
-          <a:p>
-            <a:pPr indent="0" lvl="0" marL="0" rtl="0" algn="l">
-              <a:spcBef>
-                <a:spcPts val="500"/>
-              </a:spcBef>
-              <a:spcAft>
-                <a:spcPts val="1200"/>
-              </a:spcAft>
-              <a:buNone/>
-            </a:pPr>
-            <a:r>
-              <a:t/>
-            </a:r>
-            <a:endParaRPr/>
-          </a:p>
-        </p:txBody>
-      </p:sp>
-      <p:pic>
-        <p:nvPicPr>
-          <p:cNvPr id="400" name="Google Shape;400;p31"/>
-          <p:cNvPicPr preferRelativeResize="0"/>
-          <p:nvPr/>
-        </p:nvPicPr>
-        <p:blipFill>
-          <a:blip r:embed="rId3">
-            <a:alphaModFix/>
-          </a:blip>
-          <a:stretch>
-            <a:fillRect/>
-          </a:stretch>
-        </p:blipFill>
-        <p:spPr>
-          <a:xfrm>
-            <a:off x="4441975" y="362100"/>
-            <a:ext cx="4512200" cy="4330599"/>
           </a:xfrm>
           <a:prstGeom prst="rect">
             <a:avLst/>
@@ -19440,7 +19461,7 @@
   <p:cSld>
     <p:spTree>
       <p:nvGrpSpPr>
-        <p:cNvPr id="404" name="Shape 404"/>
+        <p:cNvPr id="403" name="Shape 403"/>
         <p:cNvGrpSpPr/>
         <p:nvPr/>
       </p:nvGrpSpPr>
@@ -19454,7 +19475,7 @@
       </p:grpSpPr>
       <p:sp>
         <p:nvSpPr>
-          <p:cNvPr id="405" name="Google Shape;405;p32"/>
+          <p:cNvPr id="404" name="Google Shape;404;p32"/>
           <p:cNvSpPr txBox="1"/>
           <p:nvPr>
             <p:ph type="title"/>
@@ -19486,6 +19507,215 @@
             </a:pPr>
             <a:r>
               <a:rPr lang="en-GB"/>
+              <a:t>Boxplot</a:t>
+            </a:r>
+            <a:endParaRPr/>
+          </a:p>
+        </p:txBody>
+      </p:sp>
+      <p:sp>
+        <p:nvSpPr>
+          <p:cNvPr id="405" name="Google Shape;405;p32"/>
+          <p:cNvSpPr txBox="1"/>
+          <p:nvPr>
+            <p:ph idx="1" type="body"/>
+          </p:nvPr>
+        </p:nvSpPr>
+        <p:spPr>
+          <a:xfrm>
+            <a:off x="1030375" y="1256600"/>
+            <a:ext cx="3935700" cy="3694800"/>
+          </a:xfrm>
+          <a:prstGeom prst="rect">
+            <a:avLst/>
+          </a:prstGeom>
+        </p:spPr>
+        <p:txBody>
+          <a:bodyPr anchorCtr="0" anchor="t" bIns="91425" lIns="91425" spcFirstLastPara="1" rIns="91425" wrap="square" tIns="91425">
+            <a:normAutofit fontScale="92500" lnSpcReduction="10000"/>
+          </a:bodyPr>
+          <a:lstStyle/>
+          <a:p>
+            <a:pPr indent="0" lvl="0" marL="279400" marR="660400" rtl="0" algn="l">
+              <a:spcBef>
+                <a:spcPts val="600"/>
+              </a:spcBef>
+              <a:spcAft>
+                <a:spcPts val="0"/>
+              </a:spcAft>
+              <a:buNone/>
+            </a:pPr>
+            <a:r>
+              <a:rPr lang="en-GB"/>
+              <a:t>Standardized way of displaying the distribution of data based on a five-number summary: minimum, first quartile (Q1), median (Q2), third quartile (Q3), and maximum. The box represents the interquartile range (IQR) (Q3 - Q1), with the median marked by a line inside the box. Whiskers extend from the box to show the range of the data outside the IQR, and outliers are often displayed individually.</a:t>
+            </a:r>
+            <a:endParaRPr/>
+          </a:p>
+          <a:p>
+            <a:pPr indent="0" lvl="0" marL="279400" marR="660400" rtl="0" algn="l">
+              <a:spcBef>
+                <a:spcPts val="600"/>
+              </a:spcBef>
+              <a:spcAft>
+                <a:spcPts val="0"/>
+              </a:spcAft>
+              <a:buNone/>
+            </a:pPr>
+            <a:r>
+              <a:t/>
+            </a:r>
+            <a:endParaRPr/>
+          </a:p>
+          <a:p>
+            <a:pPr indent="0" lvl="0" marL="279400" marR="660400" rtl="0" algn="l">
+              <a:spcBef>
+                <a:spcPts val="600"/>
+              </a:spcBef>
+              <a:spcAft>
+                <a:spcPts val="0"/>
+              </a:spcAft>
+              <a:buNone/>
+            </a:pPr>
+            <a:r>
+              <a:rPr lang="en-GB"/>
+              <a:t>Useful for comparing distributions of data across different groups or variables and for identifying outliers and skewness in the data</a:t>
+            </a:r>
+            <a:r>
+              <a:rPr lang="en-GB" sz="1200">
+                <a:solidFill>
+                  <a:srgbClr val="212121"/>
+                </a:solidFill>
+                <a:highlight>
+                  <a:srgbClr val="FFFFFF"/>
+                </a:highlight>
+                <a:latin typeface="Roboto"/>
+                <a:ea typeface="Roboto"/>
+                <a:cs typeface="Roboto"/>
+                <a:sym typeface="Roboto"/>
+              </a:rPr>
+              <a:t>.</a:t>
+            </a:r>
+            <a:r>
+              <a:rPr lang="en-GB"/>
+              <a:t> </a:t>
+            </a:r>
+            <a:endParaRPr sz="1200">
+              <a:solidFill>
+                <a:srgbClr val="212121"/>
+              </a:solidFill>
+              <a:highlight>
+                <a:srgbClr val="FFFFFF"/>
+              </a:highlight>
+              <a:latin typeface="Roboto"/>
+              <a:ea typeface="Roboto"/>
+              <a:cs typeface="Roboto"/>
+              <a:sym typeface="Roboto"/>
+            </a:endParaRPr>
+          </a:p>
+          <a:p>
+            <a:pPr indent="0" lvl="0" marL="0" rtl="0" algn="l">
+              <a:spcBef>
+                <a:spcPts val="500"/>
+              </a:spcBef>
+              <a:spcAft>
+                <a:spcPts val="1200"/>
+              </a:spcAft>
+              <a:buNone/>
+            </a:pPr>
+            <a:r>
+              <a:t/>
+            </a:r>
+            <a:endParaRPr/>
+          </a:p>
+        </p:txBody>
+      </p:sp>
+      <p:pic>
+        <p:nvPicPr>
+          <p:cNvPr id="406" name="Google Shape;406;p32"/>
+          <p:cNvPicPr preferRelativeResize="0"/>
+          <p:nvPr/>
+        </p:nvPicPr>
+        <p:blipFill>
+          <a:blip r:embed="rId3">
+            <a:alphaModFix/>
+          </a:blip>
+          <a:stretch>
+            <a:fillRect/>
+          </a:stretch>
+        </p:blipFill>
+        <p:spPr>
+          <a:xfrm>
+            <a:off x="4441975" y="362100"/>
+            <a:ext cx="4512200" cy="4330599"/>
+          </a:xfrm>
+          <a:prstGeom prst="rect">
+            <a:avLst/>
+          </a:prstGeom>
+          <a:noFill/>
+          <a:ln>
+            <a:noFill/>
+          </a:ln>
+        </p:spPr>
+      </p:pic>
+    </p:spTree>
+  </p:cSld>
+  <p:clrMapOvr>
+    <a:masterClrMapping/>
+  </p:clrMapOvr>
+</p:sld>
+</file>
+
+<file path=ppt/slides/slide21.xml><?xml version="1.0" encoding="utf-8"?>
+<p:sld xmlns:a="http://schemas.openxmlformats.org/drawingml/2006/main" xmlns:r="http://schemas.openxmlformats.org/officeDocument/2006/relationships" xmlns:mc="http://schemas.openxmlformats.org/markup-compatibility/2006" xmlns:mv="urn:schemas-microsoft-com:mac:vml" xmlns:p="http://schemas.openxmlformats.org/presentationml/2006/main" xmlns:c="http://schemas.openxmlformats.org/drawingml/2006/chart" xmlns:dgm="http://schemas.openxmlformats.org/drawingml/2006/diagram" xmlns:o="urn:schemas-microsoft-com:office:office" xmlns:v="urn:schemas-microsoft-com:vml" xmlns:pvml="urn:schemas-microsoft-com:office:powerpoint" xmlns:com="http://schemas.openxmlformats.org/drawingml/2006/compatibility" xmlns:p14="http://schemas.microsoft.com/office/powerpoint/2010/main" xmlns:p15="http://schemas.microsoft.com/office/powerpoint/2012/main" xmlns:ahyp="http://schemas.microsoft.com/office/drawing/2018/hyperlinkcolor">
+  <p:cSld>
+    <p:spTree>
+      <p:nvGrpSpPr>
+        <p:cNvPr id="410" name="Shape 410"/>
+        <p:cNvGrpSpPr/>
+        <p:nvPr/>
+      </p:nvGrpSpPr>
+      <p:grpSpPr>
+        <a:xfrm>
+          <a:off x="0" y="0"/>
+          <a:ext cx="0" cy="0"/>
+          <a:chOff x="0" y="0"/>
+          <a:chExt cx="0" cy="0"/>
+        </a:xfrm>
+      </p:grpSpPr>
+      <p:sp>
+        <p:nvSpPr>
+          <p:cNvPr id="411" name="Google Shape;411;p33"/>
+          <p:cNvSpPr txBox="1"/>
+          <p:nvPr>
+            <p:ph type="title"/>
+          </p:nvPr>
+        </p:nvSpPr>
+        <p:spPr>
+          <a:xfrm>
+            <a:off x="1303800" y="598575"/>
+            <a:ext cx="7030500" cy="999300"/>
+          </a:xfrm>
+          <a:prstGeom prst="rect">
+            <a:avLst/>
+          </a:prstGeom>
+        </p:spPr>
+        <p:txBody>
+          <a:bodyPr anchorCtr="0" anchor="t" bIns="91425" lIns="91425" spcFirstLastPara="1" rIns="91425" wrap="square" tIns="91425">
+            <a:normAutofit/>
+          </a:bodyPr>
+          <a:lstStyle/>
+          <a:p>
+            <a:pPr indent="0" lvl="0" marL="0" rtl="0" algn="l">
+              <a:spcBef>
+                <a:spcPts val="0"/>
+              </a:spcBef>
+              <a:spcAft>
+                <a:spcPts val="0"/>
+              </a:spcAft>
+              <a:buNone/>
+            </a:pPr>
+            <a:r>
+              <a:rPr lang="en-GB"/>
               <a:t>Error Bars</a:t>
             </a:r>
             <a:endParaRPr/>
@@ -19494,7 +19724,7 @@
       </p:sp>
       <p:sp>
         <p:nvSpPr>
-          <p:cNvPr id="406" name="Google Shape;406;p32"/>
+          <p:cNvPr id="412" name="Google Shape;412;p33"/>
           <p:cNvSpPr txBox="1"/>
           <p:nvPr>
             <p:ph idx="1" type="body"/>
@@ -19591,7 +19821,7 @@
       </p:sp>
       <p:pic>
         <p:nvPicPr>
-          <p:cNvPr id="407" name="Google Shape;407;p32"/>
+          <p:cNvPr id="413" name="Google Shape;413;p33"/>
           <p:cNvPicPr preferRelativeResize="0"/>
           <p:nvPr/>
         </p:nvPicPr>
@@ -19625,12 +19855,12 @@
 </p:sld>
 </file>
 
-<file path=ppt/slides/slide21.xml><?xml version="1.0" encoding="utf-8"?>
+<file path=ppt/slides/slide22.xml><?xml version="1.0" encoding="utf-8"?>
 <p:sld xmlns:a="http://schemas.openxmlformats.org/drawingml/2006/main" xmlns:r="http://schemas.openxmlformats.org/officeDocument/2006/relationships" xmlns:mc="http://schemas.openxmlformats.org/markup-compatibility/2006" xmlns:mv="urn:schemas-microsoft-com:mac:vml" xmlns:p="http://schemas.openxmlformats.org/presentationml/2006/main" xmlns:c="http://schemas.openxmlformats.org/drawingml/2006/chart" xmlns:dgm="http://schemas.openxmlformats.org/drawingml/2006/diagram" xmlns:o="urn:schemas-microsoft-com:office:office" xmlns:v="urn:schemas-microsoft-com:vml" xmlns:pvml="urn:schemas-microsoft-com:office:powerpoint" xmlns:com="http://schemas.openxmlformats.org/drawingml/2006/compatibility" xmlns:p14="http://schemas.microsoft.com/office/powerpoint/2010/main" xmlns:p15="http://schemas.microsoft.com/office/powerpoint/2012/main" xmlns:ahyp="http://schemas.microsoft.com/office/drawing/2018/hyperlinkcolor">
   <p:cSld>
     <p:spTree>
       <p:nvGrpSpPr>
-        <p:cNvPr id="411" name="Shape 411"/>
+        <p:cNvPr id="417" name="Shape 417"/>
         <p:cNvGrpSpPr/>
         <p:nvPr/>
       </p:nvGrpSpPr>
@@ -19644,7 +19874,7 @@
       </p:grpSpPr>
       <p:sp>
         <p:nvSpPr>
-          <p:cNvPr id="412" name="Google Shape;412;p33"/>
+          <p:cNvPr id="418" name="Google Shape;418;p34"/>
           <p:cNvSpPr txBox="1"/>
           <p:nvPr>
             <p:ph type="title"/>
@@ -19684,7 +19914,7 @@
       </p:sp>
       <p:sp>
         <p:nvSpPr>
-          <p:cNvPr id="413" name="Google Shape;413;p33"/>
+          <p:cNvPr id="419" name="Google Shape;419;p34"/>
           <p:cNvSpPr txBox="1"/>
           <p:nvPr>
             <p:ph idx="1" type="body"/>
@@ -19770,7 +20000,7 @@
       </p:sp>
       <p:pic>
         <p:nvPicPr>
-          <p:cNvPr id="414" name="Google Shape;414;p33"/>
+          <p:cNvPr id="420" name="Google Shape;420;p34"/>
           <p:cNvPicPr preferRelativeResize="0"/>
           <p:nvPr/>
         </p:nvPicPr>
@@ -19804,12 +20034,12 @@
 </p:sld>
 </file>
 
-<file path=ppt/slides/slide22.xml><?xml version="1.0" encoding="utf-8"?>
+<file path=ppt/slides/slide23.xml><?xml version="1.0" encoding="utf-8"?>
 <p:sld xmlns:a="http://schemas.openxmlformats.org/drawingml/2006/main" xmlns:r="http://schemas.openxmlformats.org/officeDocument/2006/relationships" xmlns:mc="http://schemas.openxmlformats.org/markup-compatibility/2006" xmlns:mv="urn:schemas-microsoft-com:mac:vml" xmlns:p="http://schemas.openxmlformats.org/presentationml/2006/main" xmlns:c="http://schemas.openxmlformats.org/drawingml/2006/chart" xmlns:dgm="http://schemas.openxmlformats.org/drawingml/2006/diagram" xmlns:o="urn:schemas-microsoft-com:office:office" xmlns:v="urn:schemas-microsoft-com:vml" xmlns:pvml="urn:schemas-microsoft-com:office:powerpoint" xmlns:com="http://schemas.openxmlformats.org/drawingml/2006/compatibility" xmlns:p14="http://schemas.microsoft.com/office/powerpoint/2010/main" xmlns:p15="http://schemas.microsoft.com/office/powerpoint/2012/main" xmlns:ahyp="http://schemas.microsoft.com/office/drawing/2018/hyperlinkcolor">
   <p:cSld>
     <p:spTree>
       <p:nvGrpSpPr>
-        <p:cNvPr id="418" name="Shape 418"/>
+        <p:cNvPr id="424" name="Shape 424"/>
         <p:cNvGrpSpPr/>
         <p:nvPr/>
       </p:nvGrpSpPr>
@@ -19823,7 +20053,7 @@
       </p:grpSpPr>
       <p:sp>
         <p:nvSpPr>
-          <p:cNvPr id="419" name="Google Shape;419;p34"/>
+          <p:cNvPr id="425" name="Google Shape;425;p35"/>
           <p:cNvSpPr txBox="1"/>
           <p:nvPr>
             <p:ph type="title"/>
@@ -19863,7 +20093,7 @@
       </p:sp>
       <p:sp>
         <p:nvSpPr>
-          <p:cNvPr id="420" name="Google Shape;420;p34"/>
+          <p:cNvPr id="426" name="Google Shape;426;p35"/>
           <p:cNvSpPr txBox="1"/>
           <p:nvPr>
             <p:ph idx="1" type="body"/>
@@ -19964,7 +20194,7 @@
       </p:sp>
       <p:pic>
         <p:nvPicPr>
-          <p:cNvPr id="421" name="Google Shape;421;p34"/>
+          <p:cNvPr id="427" name="Google Shape;427;p35"/>
           <p:cNvPicPr preferRelativeResize="0"/>
           <p:nvPr/>
         </p:nvPicPr>
@@ -19998,12 +20228,12 @@
 </p:sld>
 </file>
 
-<file path=ppt/slides/slide23.xml><?xml version="1.0" encoding="utf-8"?>
+<file path=ppt/slides/slide24.xml><?xml version="1.0" encoding="utf-8"?>
 <p:sld xmlns:a="http://schemas.openxmlformats.org/drawingml/2006/main" xmlns:r="http://schemas.openxmlformats.org/officeDocument/2006/relationships" xmlns:mc="http://schemas.openxmlformats.org/markup-compatibility/2006" xmlns:mv="urn:schemas-microsoft-com:mac:vml" xmlns:p="http://schemas.openxmlformats.org/presentationml/2006/main" xmlns:c="http://schemas.openxmlformats.org/drawingml/2006/chart" xmlns:dgm="http://schemas.openxmlformats.org/drawingml/2006/diagram" xmlns:o="urn:schemas-microsoft-com:office:office" xmlns:v="urn:schemas-microsoft-com:vml" xmlns:pvml="urn:schemas-microsoft-com:office:powerpoint" xmlns:com="http://schemas.openxmlformats.org/drawingml/2006/compatibility" xmlns:p14="http://schemas.microsoft.com/office/powerpoint/2010/main" xmlns:p15="http://schemas.microsoft.com/office/powerpoint/2012/main" xmlns:ahyp="http://schemas.microsoft.com/office/drawing/2018/hyperlinkcolor">
   <p:cSld>
     <p:spTree>
       <p:nvGrpSpPr>
-        <p:cNvPr id="425" name="Shape 425"/>
+        <p:cNvPr id="431" name="Shape 431"/>
         <p:cNvGrpSpPr/>
         <p:nvPr/>
       </p:nvGrpSpPr>
@@ -20017,7 +20247,7 @@
       </p:grpSpPr>
       <p:sp>
         <p:nvSpPr>
-          <p:cNvPr id="426" name="Google Shape;426;p35"/>
+          <p:cNvPr id="432" name="Google Shape;432;p36"/>
           <p:cNvSpPr txBox="1"/>
           <p:nvPr>
             <p:ph type="title"/>
@@ -20057,7 +20287,7 @@
       </p:sp>
       <p:sp>
         <p:nvSpPr>
-          <p:cNvPr id="427" name="Google Shape;427;p35"/>
+          <p:cNvPr id="433" name="Google Shape;433;p36"/>
           <p:cNvSpPr txBox="1"/>
           <p:nvPr>
             <p:ph idx="1" type="body"/>
@@ -20188,7 +20418,7 @@
       </p:sp>
       <p:pic>
         <p:nvPicPr>
-          <p:cNvPr id="428" name="Google Shape;428;p35"/>
+          <p:cNvPr id="434" name="Google Shape;434;p36"/>
           <p:cNvPicPr preferRelativeResize="0"/>
           <p:nvPr/>
         </p:nvPicPr>
@@ -20222,12 +20452,12 @@
 </p:sld>
 </file>
 
-<file path=ppt/slides/slide24.xml><?xml version="1.0" encoding="utf-8"?>
+<file path=ppt/slides/slide25.xml><?xml version="1.0" encoding="utf-8"?>
 <p:sld xmlns:a="http://schemas.openxmlformats.org/drawingml/2006/main" xmlns:r="http://schemas.openxmlformats.org/officeDocument/2006/relationships" xmlns:mc="http://schemas.openxmlformats.org/markup-compatibility/2006" xmlns:mv="urn:schemas-microsoft-com:mac:vml" xmlns:p="http://schemas.openxmlformats.org/presentationml/2006/main" xmlns:c="http://schemas.openxmlformats.org/drawingml/2006/chart" xmlns:dgm="http://schemas.openxmlformats.org/drawingml/2006/diagram" xmlns:o="urn:schemas-microsoft-com:office:office" xmlns:v="urn:schemas-microsoft-com:vml" xmlns:pvml="urn:schemas-microsoft-com:office:powerpoint" xmlns:com="http://schemas.openxmlformats.org/drawingml/2006/compatibility" xmlns:p14="http://schemas.microsoft.com/office/powerpoint/2010/main" xmlns:p15="http://schemas.microsoft.com/office/powerpoint/2012/main" xmlns:ahyp="http://schemas.microsoft.com/office/drawing/2018/hyperlinkcolor">
   <p:cSld>
     <p:spTree>
       <p:nvGrpSpPr>
-        <p:cNvPr id="432" name="Shape 432"/>
+        <p:cNvPr id="438" name="Shape 438"/>
         <p:cNvGrpSpPr/>
         <p:nvPr/>
       </p:nvGrpSpPr>
@@ -20241,7 +20471,7 @@
       </p:grpSpPr>
       <p:sp>
         <p:nvSpPr>
-          <p:cNvPr id="433" name="Google Shape;433;p36"/>
+          <p:cNvPr id="439" name="Google Shape;439;p37"/>
           <p:cNvSpPr txBox="1"/>
           <p:nvPr>
             <p:ph type="title"/>
@@ -20281,7 +20511,7 @@
       </p:sp>
       <p:sp>
         <p:nvSpPr>
-          <p:cNvPr id="434" name="Google Shape;434;p36"/>
+          <p:cNvPr id="440" name="Google Shape;440;p37"/>
           <p:cNvSpPr txBox="1"/>
           <p:nvPr>
             <p:ph idx="1" type="body"/>
@@ -20393,7 +20623,7 @@
       </p:sp>
       <p:pic>
         <p:nvPicPr>
-          <p:cNvPr id="435" name="Google Shape;435;p36"/>
+          <p:cNvPr id="441" name="Google Shape;441;p37"/>
           <p:cNvPicPr preferRelativeResize="0"/>
           <p:nvPr/>
         </p:nvPicPr>
@@ -20427,12 +20657,12 @@
 </p:sld>
 </file>
 
-<file path=ppt/slides/slide25.xml><?xml version="1.0" encoding="utf-8"?>
+<file path=ppt/slides/slide26.xml><?xml version="1.0" encoding="utf-8"?>
 <p:sld xmlns:a="http://schemas.openxmlformats.org/drawingml/2006/main" xmlns:r="http://schemas.openxmlformats.org/officeDocument/2006/relationships" xmlns:mc="http://schemas.openxmlformats.org/markup-compatibility/2006" xmlns:mv="urn:schemas-microsoft-com:mac:vml" xmlns:p="http://schemas.openxmlformats.org/presentationml/2006/main" xmlns:c="http://schemas.openxmlformats.org/drawingml/2006/chart" xmlns:dgm="http://schemas.openxmlformats.org/drawingml/2006/diagram" xmlns:o="urn:schemas-microsoft-com:office:office" xmlns:v="urn:schemas-microsoft-com:vml" xmlns:pvml="urn:schemas-microsoft-com:office:powerpoint" xmlns:com="http://schemas.openxmlformats.org/drawingml/2006/compatibility" xmlns:p14="http://schemas.microsoft.com/office/powerpoint/2010/main" xmlns:p15="http://schemas.microsoft.com/office/powerpoint/2012/main" xmlns:ahyp="http://schemas.microsoft.com/office/drawing/2018/hyperlinkcolor">
   <p:cSld>
     <p:spTree>
       <p:nvGrpSpPr>
-        <p:cNvPr id="439" name="Shape 439"/>
+        <p:cNvPr id="445" name="Shape 445"/>
         <p:cNvGrpSpPr/>
         <p:nvPr/>
       </p:nvGrpSpPr>
@@ -20446,7 +20676,7 @@
       </p:grpSpPr>
       <p:sp>
         <p:nvSpPr>
-          <p:cNvPr id="440" name="Google Shape;440;p37"/>
+          <p:cNvPr id="446" name="Google Shape;446;p38"/>
           <p:cNvSpPr txBox="1"/>
           <p:nvPr>
             <p:ph type="title"/>
@@ -20493,7 +20723,7 @@
       </p:sp>
       <p:sp>
         <p:nvSpPr>
-          <p:cNvPr id="441" name="Google Shape;441;p37"/>
+          <p:cNvPr id="447" name="Google Shape;447;p38"/>
           <p:cNvSpPr txBox="1"/>
           <p:nvPr>
             <p:ph idx="1" type="body"/>
@@ -20613,7 +20843,7 @@
       </p:sp>
       <p:pic>
         <p:nvPicPr>
-          <p:cNvPr id="442" name="Google Shape;442;p37"/>
+          <p:cNvPr id="448" name="Google Shape;448;p38"/>
           <p:cNvPicPr preferRelativeResize="0"/>
           <p:nvPr/>
         </p:nvPicPr>
@@ -20698,118 +20928,56 @@
             </a:pPr>
             <a:r>
               <a:rPr lang="en-GB"/>
-              <a:t>Creating subplots</a:t>
+              <a:t>Set-up</a:t>
             </a:r>
             <a:endParaRPr/>
           </a:p>
         </p:txBody>
       </p:sp>
-      <p:sp>
-        <p:nvSpPr>
+      <p:pic>
+        <p:nvPicPr>
           <p:cNvPr id="291" name="Google Shape;291;p15"/>
-          <p:cNvSpPr txBox="1"/>
-          <p:nvPr>
-            <p:ph idx="1" type="body"/>
-          </p:nvPr>
-        </p:nvSpPr>
+          <p:cNvPicPr preferRelativeResize="0"/>
+          <p:nvPr/>
+        </p:nvPicPr>
+        <p:blipFill rotWithShape="1">
+          <a:blip r:embed="rId3">
+            <a:alphaModFix/>
+          </a:blip>
+          <a:srcRect b="0" l="0" r="41921" t="50585"/>
+          <a:stretch/>
+        </p:blipFill>
         <p:spPr>
           <a:xfrm>
-            <a:off x="1303800" y="1359775"/>
-            <a:ext cx="7030500" cy="510000"/>
+            <a:off x="5502800" y="1597875"/>
+            <a:ext cx="1983375" cy="2541600"/>
           </a:xfrm>
           <a:prstGeom prst="rect">
             <a:avLst/>
           </a:prstGeom>
+          <a:noFill/>
+          <a:ln>
+            <a:noFill/>
+          </a:ln>
         </p:spPr>
-        <p:txBody>
-          <a:bodyPr anchorCtr="0" anchor="t" bIns="91425" lIns="91425" spcFirstLastPara="1" rIns="91425" wrap="square" tIns="91425">
-            <a:normAutofit/>
-          </a:bodyPr>
-          <a:lstStyle/>
-          <a:p>
-            <a:pPr indent="0" lvl="0" marL="0" rtl="0" algn="l">
-              <a:lnSpc>
-                <a:spcPct val="135714"/>
-              </a:lnSpc>
-              <a:spcBef>
-                <a:spcPts val="0"/>
-              </a:spcBef>
-              <a:spcAft>
-                <a:spcPts val="0"/>
-              </a:spcAft>
-              <a:buNone/>
-            </a:pPr>
-            <a:r>
-              <a:rPr lang="en-GB"/>
-              <a:t>With the </a:t>
-            </a:r>
-            <a:r>
-              <a:rPr lang="en-GB" sz="1050">
-                <a:solidFill>
-                  <a:srgbClr val="001080"/>
-                </a:solidFill>
-                <a:highlight>
-                  <a:srgbClr val="F7F7F7"/>
-                </a:highlight>
-                <a:latin typeface="Courier New"/>
-                <a:ea typeface="Courier New"/>
-                <a:cs typeface="Courier New"/>
-                <a:sym typeface="Courier New"/>
-              </a:rPr>
-              <a:t>`subplot()`</a:t>
-            </a:r>
-            <a:r>
-              <a:rPr lang="en-GB" sz="1050">
-                <a:solidFill>
-                  <a:srgbClr val="000000"/>
-                </a:solidFill>
-                <a:highlight>
-                  <a:srgbClr val="F7F7F7"/>
-                </a:highlight>
-                <a:latin typeface="Courier New"/>
-                <a:ea typeface="Courier New"/>
-                <a:cs typeface="Courier New"/>
-                <a:sym typeface="Courier New"/>
-              </a:rPr>
-              <a:t> </a:t>
-            </a:r>
-            <a:r>
-              <a:rPr lang="en-GB"/>
-              <a:t>function you can draw multiple plots in one figure</a:t>
-            </a:r>
-            <a:endParaRPr sz="1050">
-              <a:solidFill>
-                <a:srgbClr val="000000"/>
-              </a:solidFill>
-              <a:highlight>
-                <a:srgbClr val="F7F7F7"/>
-              </a:highlight>
-              <a:latin typeface="Courier New"/>
-              <a:ea typeface="Courier New"/>
-              <a:cs typeface="Courier New"/>
-              <a:sym typeface="Courier New"/>
-            </a:endParaRPr>
-          </a:p>
-        </p:txBody>
-      </p:sp>
+      </p:pic>
       <p:pic>
         <p:nvPicPr>
           <p:cNvPr id="292" name="Google Shape;292;p15"/>
           <p:cNvPicPr preferRelativeResize="0"/>
           <p:nvPr/>
         </p:nvPicPr>
-        <p:blipFill>
+        <p:blipFill rotWithShape="1">
           <a:blip r:embed="rId3">
             <a:alphaModFix/>
           </a:blip>
-          <a:stretch>
-            <a:fillRect/>
-          </a:stretch>
+          <a:srcRect b="49137" l="0" r="0" t="0"/>
+          <a:stretch/>
         </p:blipFill>
         <p:spPr>
           <a:xfrm>
-            <a:off x="1303800" y="1788475"/>
-            <a:ext cx="3201674" cy="3196803"/>
+            <a:off x="1303800" y="1322800"/>
+            <a:ext cx="3838275" cy="2940451"/>
           </a:xfrm>
           <a:prstGeom prst="rect">
             <a:avLst/>
@@ -20879,6 +21047,187 @@
             </a:pPr>
             <a:r>
               <a:rPr lang="en-GB"/>
+              <a:t>Creating subplots</a:t>
+            </a:r>
+            <a:endParaRPr/>
+          </a:p>
+        </p:txBody>
+      </p:sp>
+      <p:sp>
+        <p:nvSpPr>
+          <p:cNvPr id="298" name="Google Shape;298;p16"/>
+          <p:cNvSpPr txBox="1"/>
+          <p:nvPr>
+            <p:ph idx="1" type="body"/>
+          </p:nvPr>
+        </p:nvSpPr>
+        <p:spPr>
+          <a:xfrm>
+            <a:off x="1303800" y="1359775"/>
+            <a:ext cx="7030500" cy="510000"/>
+          </a:xfrm>
+          <a:prstGeom prst="rect">
+            <a:avLst/>
+          </a:prstGeom>
+        </p:spPr>
+        <p:txBody>
+          <a:bodyPr anchorCtr="0" anchor="t" bIns="91425" lIns="91425" spcFirstLastPara="1" rIns="91425" wrap="square" tIns="91425">
+            <a:normAutofit/>
+          </a:bodyPr>
+          <a:lstStyle/>
+          <a:p>
+            <a:pPr indent="0" lvl="0" marL="0" rtl="0" algn="l">
+              <a:lnSpc>
+                <a:spcPct val="135714"/>
+              </a:lnSpc>
+              <a:spcBef>
+                <a:spcPts val="0"/>
+              </a:spcBef>
+              <a:spcAft>
+                <a:spcPts val="0"/>
+              </a:spcAft>
+              <a:buNone/>
+            </a:pPr>
+            <a:r>
+              <a:rPr lang="en-GB"/>
+              <a:t>With the </a:t>
+            </a:r>
+            <a:r>
+              <a:rPr lang="en-GB" sz="1050">
+                <a:solidFill>
+                  <a:srgbClr val="001080"/>
+                </a:solidFill>
+                <a:highlight>
+                  <a:srgbClr val="F7F7F7"/>
+                </a:highlight>
+                <a:latin typeface="Courier New"/>
+                <a:ea typeface="Courier New"/>
+                <a:cs typeface="Courier New"/>
+                <a:sym typeface="Courier New"/>
+              </a:rPr>
+              <a:t>`subplot()`</a:t>
+            </a:r>
+            <a:r>
+              <a:rPr lang="en-GB" sz="1050">
+                <a:solidFill>
+                  <a:srgbClr val="000000"/>
+                </a:solidFill>
+                <a:highlight>
+                  <a:srgbClr val="F7F7F7"/>
+                </a:highlight>
+                <a:latin typeface="Courier New"/>
+                <a:ea typeface="Courier New"/>
+                <a:cs typeface="Courier New"/>
+                <a:sym typeface="Courier New"/>
+              </a:rPr>
+              <a:t> </a:t>
+            </a:r>
+            <a:r>
+              <a:rPr lang="en-GB"/>
+              <a:t>function you can draw multiple plots in one figure</a:t>
+            </a:r>
+            <a:endParaRPr sz="1050">
+              <a:solidFill>
+                <a:srgbClr val="000000"/>
+              </a:solidFill>
+              <a:highlight>
+                <a:srgbClr val="F7F7F7"/>
+              </a:highlight>
+              <a:latin typeface="Courier New"/>
+              <a:ea typeface="Courier New"/>
+              <a:cs typeface="Courier New"/>
+              <a:sym typeface="Courier New"/>
+            </a:endParaRPr>
+          </a:p>
+        </p:txBody>
+      </p:sp>
+      <p:pic>
+        <p:nvPicPr>
+          <p:cNvPr id="299" name="Google Shape;299;p16"/>
+          <p:cNvPicPr preferRelativeResize="0"/>
+          <p:nvPr/>
+        </p:nvPicPr>
+        <p:blipFill>
+          <a:blip r:embed="rId3">
+            <a:alphaModFix/>
+          </a:blip>
+          <a:stretch>
+            <a:fillRect/>
+          </a:stretch>
+        </p:blipFill>
+        <p:spPr>
+          <a:xfrm>
+            <a:off x="1303800" y="1785700"/>
+            <a:ext cx="2899535" cy="2968926"/>
+          </a:xfrm>
+          <a:prstGeom prst="rect">
+            <a:avLst/>
+          </a:prstGeom>
+          <a:noFill/>
+          <a:ln>
+            <a:noFill/>
+          </a:ln>
+        </p:spPr>
+      </p:pic>
+    </p:spTree>
+  </p:cSld>
+  <p:clrMapOvr>
+    <a:masterClrMapping/>
+  </p:clrMapOvr>
+</p:sld>
+</file>
+
+<file path=ppt/slides/slide5.xml><?xml version="1.0" encoding="utf-8"?>
+<p:sld xmlns:a="http://schemas.openxmlformats.org/drawingml/2006/main" xmlns:r="http://schemas.openxmlformats.org/officeDocument/2006/relationships" xmlns:mc="http://schemas.openxmlformats.org/markup-compatibility/2006" xmlns:mv="urn:schemas-microsoft-com:mac:vml" xmlns:p="http://schemas.openxmlformats.org/presentationml/2006/main" xmlns:c="http://schemas.openxmlformats.org/drawingml/2006/chart" xmlns:dgm="http://schemas.openxmlformats.org/drawingml/2006/diagram" xmlns:o="urn:schemas-microsoft-com:office:office" xmlns:v="urn:schemas-microsoft-com:vml" xmlns:pvml="urn:schemas-microsoft-com:office:powerpoint" xmlns:com="http://schemas.openxmlformats.org/drawingml/2006/compatibility" xmlns:p14="http://schemas.microsoft.com/office/powerpoint/2010/main" xmlns:p15="http://schemas.microsoft.com/office/powerpoint/2012/main" xmlns:ahyp="http://schemas.microsoft.com/office/drawing/2018/hyperlinkcolor">
+  <p:cSld>
+    <p:spTree>
+      <p:nvGrpSpPr>
+        <p:cNvPr id="303" name="Shape 303"/>
+        <p:cNvGrpSpPr/>
+        <p:nvPr/>
+      </p:nvGrpSpPr>
+      <p:grpSpPr>
+        <a:xfrm>
+          <a:off x="0" y="0"/>
+          <a:ext cx="0" cy="0"/>
+          <a:chOff x="0" y="0"/>
+          <a:chExt cx="0" cy="0"/>
+        </a:xfrm>
+      </p:grpSpPr>
+      <p:sp>
+        <p:nvSpPr>
+          <p:cNvPr id="304" name="Google Shape;304;p17"/>
+          <p:cNvSpPr txBox="1"/>
+          <p:nvPr>
+            <p:ph type="title"/>
+          </p:nvPr>
+        </p:nvSpPr>
+        <p:spPr>
+          <a:xfrm>
+            <a:off x="1303800" y="598575"/>
+            <a:ext cx="7030500" cy="999300"/>
+          </a:xfrm>
+          <a:prstGeom prst="rect">
+            <a:avLst/>
+          </a:prstGeom>
+        </p:spPr>
+        <p:txBody>
+          <a:bodyPr anchorCtr="0" anchor="t" bIns="91425" lIns="91425" spcFirstLastPara="1" rIns="91425" wrap="square" tIns="91425">
+            <a:normAutofit/>
+          </a:bodyPr>
+          <a:lstStyle/>
+          <a:p>
+            <a:pPr indent="0" lvl="0" marL="0" rtl="0" algn="l">
+              <a:spcBef>
+                <a:spcPts val="0"/>
+              </a:spcBef>
+              <a:spcAft>
+                <a:spcPts val="0"/>
+              </a:spcAft>
+              <a:buNone/>
+            </a:pPr>
+            <a:r>
+              <a:rPr lang="en-GB"/>
               <a:t>Plots (figures)</a:t>
             </a:r>
             <a:endParaRPr/>
@@ -20887,7 +21236,7 @@
       </p:sp>
       <p:graphicFrame>
         <p:nvGraphicFramePr>
-          <p:cNvPr id="298" name="Google Shape;298;p16"/>
+          <p:cNvPr id="305" name="Google Shape;305;p17"/>
           <p:cNvGraphicFramePr/>
           <p:nvPr/>
         </p:nvGraphicFramePr>
@@ -20900,7 +21249,7 @@
             <a:tbl>
               <a:tblPr>
                 <a:noFill/>
-                <a:tableStyleId>{BD12BB49-FFDD-433E-AAEE-3C959C946776}</a:tableStyleId>
+                <a:tableStyleId>{3C64C421-7303-4067-90F5-788E96177F4F}</a:tableStyleId>
               </a:tblPr>
               <a:tblGrid>
                 <a:gridCol w="1062525"/>
@@ -21548,12 +21897,12 @@
 </p:sld>
 </file>
 
-<file path=ppt/slides/slide5.xml><?xml version="1.0" encoding="utf-8"?>
+<file path=ppt/slides/slide6.xml><?xml version="1.0" encoding="utf-8"?>
 <p:sld xmlns:a="http://schemas.openxmlformats.org/drawingml/2006/main" xmlns:r="http://schemas.openxmlformats.org/officeDocument/2006/relationships" xmlns:mc="http://schemas.openxmlformats.org/markup-compatibility/2006" xmlns:mv="urn:schemas-microsoft-com:mac:vml" xmlns:p="http://schemas.openxmlformats.org/presentationml/2006/main" xmlns:c="http://schemas.openxmlformats.org/drawingml/2006/chart" xmlns:dgm="http://schemas.openxmlformats.org/drawingml/2006/diagram" xmlns:o="urn:schemas-microsoft-com:office:office" xmlns:v="urn:schemas-microsoft-com:vml" xmlns:pvml="urn:schemas-microsoft-com:office:powerpoint" xmlns:com="http://schemas.openxmlformats.org/drawingml/2006/compatibility" xmlns:p14="http://schemas.microsoft.com/office/powerpoint/2010/main" xmlns:p15="http://schemas.microsoft.com/office/powerpoint/2012/main" xmlns:ahyp="http://schemas.microsoft.com/office/drawing/2018/hyperlinkcolor">
   <p:cSld>
     <p:spTree>
       <p:nvGrpSpPr>
-        <p:cNvPr id="302" name="Shape 302"/>
+        <p:cNvPr id="309" name="Shape 309"/>
         <p:cNvGrpSpPr/>
         <p:nvPr/>
       </p:nvGrpSpPr>
@@ -21567,7 +21916,7 @@
       </p:grpSpPr>
       <p:sp>
         <p:nvSpPr>
-          <p:cNvPr id="303" name="Google Shape;303;p17"/>
+          <p:cNvPr id="310" name="Google Shape;310;p18"/>
           <p:cNvSpPr txBox="1"/>
           <p:nvPr>
             <p:ph type="title"/>
@@ -21614,7 +21963,7 @@
       </p:sp>
       <p:pic>
         <p:nvPicPr>
-          <p:cNvPr id="304" name="Google Shape;304;p17"/>
+          <p:cNvPr id="311" name="Google Shape;311;p18"/>
           <p:cNvPicPr preferRelativeResize="0"/>
           <p:nvPr/>
         </p:nvPicPr>
@@ -21642,7 +21991,7 @@
       </p:pic>
       <p:graphicFrame>
         <p:nvGraphicFramePr>
-          <p:cNvPr id="305" name="Google Shape;305;p17"/>
+          <p:cNvPr id="312" name="Google Shape;312;p18"/>
           <p:cNvGraphicFramePr/>
           <p:nvPr/>
         </p:nvGraphicFramePr>
@@ -21655,7 +22004,7 @@
             <a:tbl>
               <a:tblPr>
                 <a:noFill/>
-                <a:tableStyleId>{BD12BB49-FFDD-433E-AAEE-3C959C946776}</a:tableStyleId>
+                <a:tableStyleId>{3C64C421-7303-4067-90F5-788E96177F4F}</a:tableStyleId>
               </a:tblPr>
               <a:tblGrid>
                 <a:gridCol w="930675"/>
@@ -21839,12 +22188,12 @@
 </p:sld>
 </file>
 
-<file path=ppt/slides/slide6.xml><?xml version="1.0" encoding="utf-8"?>
+<file path=ppt/slides/slide7.xml><?xml version="1.0" encoding="utf-8"?>
 <p:sld xmlns:a="http://schemas.openxmlformats.org/drawingml/2006/main" xmlns:r="http://schemas.openxmlformats.org/officeDocument/2006/relationships" xmlns:mc="http://schemas.openxmlformats.org/markup-compatibility/2006" xmlns:mv="urn:schemas-microsoft-com:mac:vml" xmlns:p="http://schemas.openxmlformats.org/presentationml/2006/main" xmlns:c="http://schemas.openxmlformats.org/drawingml/2006/chart" xmlns:dgm="http://schemas.openxmlformats.org/drawingml/2006/diagram" xmlns:o="urn:schemas-microsoft-com:office:office" xmlns:v="urn:schemas-microsoft-com:vml" xmlns:pvml="urn:schemas-microsoft-com:office:powerpoint" xmlns:com="http://schemas.openxmlformats.org/drawingml/2006/compatibility" xmlns:p14="http://schemas.microsoft.com/office/powerpoint/2010/main" xmlns:p15="http://schemas.microsoft.com/office/powerpoint/2012/main" xmlns:ahyp="http://schemas.microsoft.com/office/drawing/2018/hyperlinkcolor">
   <p:cSld>
     <p:spTree>
       <p:nvGrpSpPr>
-        <p:cNvPr id="309" name="Shape 309"/>
+        <p:cNvPr id="316" name="Shape 316"/>
         <p:cNvGrpSpPr/>
         <p:nvPr/>
       </p:nvGrpSpPr>
@@ -21858,7 +22207,7 @@
       </p:grpSpPr>
       <p:sp>
         <p:nvSpPr>
-          <p:cNvPr id="310" name="Google Shape;310;p18"/>
+          <p:cNvPr id="317" name="Google Shape;317;p19"/>
           <p:cNvSpPr txBox="1"/>
           <p:nvPr>
             <p:ph type="title"/>
@@ -21898,7 +22247,7 @@
       </p:sp>
       <p:pic>
         <p:nvPicPr>
-          <p:cNvPr id="311" name="Google Shape;311;p18"/>
+          <p:cNvPr id="318" name="Google Shape;318;p19"/>
           <p:cNvPicPr preferRelativeResize="0"/>
           <p:nvPr/>
         </p:nvPicPr>
@@ -21925,7 +22274,7 @@
       </p:pic>
       <p:pic>
         <p:nvPicPr>
-          <p:cNvPr id="312" name="Google Shape;312;p18"/>
+          <p:cNvPr id="319" name="Google Shape;319;p19"/>
           <p:cNvPicPr preferRelativeResize="0"/>
           <p:nvPr/>
         </p:nvPicPr>
@@ -21952,7 +22301,7 @@
       </p:pic>
       <p:graphicFrame>
         <p:nvGraphicFramePr>
-          <p:cNvPr id="313" name="Google Shape;313;p18"/>
+          <p:cNvPr id="320" name="Google Shape;320;p19"/>
           <p:cNvGraphicFramePr/>
           <p:nvPr/>
         </p:nvGraphicFramePr>
@@ -21965,7 +22314,7 @@
             <a:tbl>
               <a:tblPr>
                 <a:noFill/>
-                <a:tableStyleId>{BD12BB49-FFDD-433E-AAEE-3C959C946776}</a:tableStyleId>
+                <a:tableStyleId>{3C64C421-7303-4067-90F5-788E96177F4F}</a:tableStyleId>
               </a:tblPr>
               <a:tblGrid>
                 <a:gridCol w="929375"/>
@@ -22149,12 +22498,12 @@
 </p:sld>
 </file>
 
-<file path=ppt/slides/slide7.xml><?xml version="1.0" encoding="utf-8"?>
+<file path=ppt/slides/slide8.xml><?xml version="1.0" encoding="utf-8"?>
 <p:sld xmlns:a="http://schemas.openxmlformats.org/drawingml/2006/main" xmlns:r="http://schemas.openxmlformats.org/officeDocument/2006/relationships" xmlns:mc="http://schemas.openxmlformats.org/markup-compatibility/2006" xmlns:mv="urn:schemas-microsoft-com:mac:vml" xmlns:p="http://schemas.openxmlformats.org/presentationml/2006/main" xmlns:c="http://schemas.openxmlformats.org/drawingml/2006/chart" xmlns:dgm="http://schemas.openxmlformats.org/drawingml/2006/diagram" xmlns:o="urn:schemas-microsoft-com:office:office" xmlns:v="urn:schemas-microsoft-com:vml" xmlns:pvml="urn:schemas-microsoft-com:office:powerpoint" xmlns:com="http://schemas.openxmlformats.org/drawingml/2006/compatibility" xmlns:p14="http://schemas.microsoft.com/office/powerpoint/2010/main" xmlns:p15="http://schemas.microsoft.com/office/powerpoint/2012/main" xmlns:ahyp="http://schemas.microsoft.com/office/drawing/2018/hyperlinkcolor">
   <p:cSld>
     <p:spTree>
       <p:nvGrpSpPr>
-        <p:cNvPr id="317" name="Shape 317"/>
+        <p:cNvPr id="324" name="Shape 324"/>
         <p:cNvGrpSpPr/>
         <p:nvPr/>
       </p:nvGrpSpPr>
@@ -22168,7 +22517,7 @@
       </p:grpSpPr>
       <p:sp>
         <p:nvSpPr>
-          <p:cNvPr id="318" name="Google Shape;318;p19"/>
+          <p:cNvPr id="325" name="Google Shape;325;p20"/>
           <p:cNvSpPr txBox="1"/>
           <p:nvPr>
             <p:ph type="title"/>
@@ -22208,7 +22557,7 @@
       </p:sp>
       <p:pic>
         <p:nvPicPr>
-          <p:cNvPr id="319" name="Google Shape;319;p19"/>
+          <p:cNvPr id="326" name="Google Shape;326;p20"/>
           <p:cNvPicPr preferRelativeResize="0"/>
           <p:nvPr/>
         </p:nvPicPr>
@@ -22235,7 +22584,7 @@
       </p:pic>
       <p:graphicFrame>
         <p:nvGraphicFramePr>
-          <p:cNvPr id="320" name="Google Shape;320;p19"/>
+          <p:cNvPr id="327" name="Google Shape;327;p20"/>
           <p:cNvGraphicFramePr/>
           <p:nvPr/>
         </p:nvGraphicFramePr>
@@ -22248,7 +22597,7 @@
             <a:tbl>
               <a:tblPr>
                 <a:noFill/>
-                <a:tableStyleId>{BD12BB49-FFDD-433E-AAEE-3C959C946776}</a:tableStyleId>
+                <a:tableStyleId>{3C64C421-7303-4067-90F5-788E96177F4F}</a:tableStyleId>
               </a:tblPr>
               <a:tblGrid>
                 <a:gridCol w="901975"/>
@@ -22366,7 +22715,7 @@
       </p:graphicFrame>
       <p:pic>
         <p:nvPicPr>
-          <p:cNvPr id="321" name="Google Shape;321;p19"/>
+          <p:cNvPr id="328" name="Google Shape;328;p20"/>
           <p:cNvPicPr preferRelativeResize="0"/>
           <p:nvPr/>
         </p:nvPicPr>
@@ -22399,12 +22748,12 @@
 </p:sld>
 </file>
 
-<file path=ppt/slides/slide8.xml><?xml version="1.0" encoding="utf-8"?>
+<file path=ppt/slides/slide9.xml><?xml version="1.0" encoding="utf-8"?>
 <p:sld xmlns:a="http://schemas.openxmlformats.org/drawingml/2006/main" xmlns:r="http://schemas.openxmlformats.org/officeDocument/2006/relationships" xmlns:mc="http://schemas.openxmlformats.org/markup-compatibility/2006" xmlns:mv="urn:schemas-microsoft-com:mac:vml" xmlns:p="http://schemas.openxmlformats.org/presentationml/2006/main" xmlns:c="http://schemas.openxmlformats.org/drawingml/2006/chart" xmlns:dgm="http://schemas.openxmlformats.org/drawingml/2006/diagram" xmlns:o="urn:schemas-microsoft-com:office:office" xmlns:v="urn:schemas-microsoft-com:vml" xmlns:pvml="urn:schemas-microsoft-com:office:powerpoint" xmlns:com="http://schemas.openxmlformats.org/drawingml/2006/compatibility" xmlns:p14="http://schemas.microsoft.com/office/powerpoint/2010/main" xmlns:p15="http://schemas.microsoft.com/office/powerpoint/2012/main" xmlns:ahyp="http://schemas.microsoft.com/office/drawing/2018/hyperlinkcolor">
   <p:cSld>
     <p:spTree>
       <p:nvGrpSpPr>
-        <p:cNvPr id="325" name="Shape 325"/>
+        <p:cNvPr id="332" name="Shape 332"/>
         <p:cNvGrpSpPr/>
         <p:nvPr/>
       </p:nvGrpSpPr>
@@ -22418,7 +22767,7 @@
       </p:grpSpPr>
       <p:pic>
         <p:nvPicPr>
-          <p:cNvPr id="326" name="Google Shape;326;p20"/>
+          <p:cNvPr id="333" name="Google Shape;333;p21"/>
           <p:cNvPicPr preferRelativeResize="0"/>
           <p:nvPr/>
         </p:nvPicPr>
@@ -22445,7 +22794,7 @@
       </p:pic>
       <p:pic>
         <p:nvPicPr>
-          <p:cNvPr id="327" name="Google Shape;327;p20"/>
+          <p:cNvPr id="334" name="Google Shape;334;p21"/>
           <p:cNvPicPr preferRelativeResize="0"/>
           <p:nvPr/>
         </p:nvPicPr>
@@ -22460,164 +22809,6 @@
           <a:xfrm>
             <a:off x="5805478" y="1514600"/>
             <a:ext cx="3577123" cy="2403800"/>
-          </a:xfrm>
-          <a:prstGeom prst="rect">
-            <a:avLst/>
-          </a:prstGeom>
-          <a:noFill/>
-          <a:ln>
-            <a:noFill/>
-          </a:ln>
-        </p:spPr>
-      </p:pic>
-    </p:spTree>
-  </p:cSld>
-  <p:clrMapOvr>
-    <a:masterClrMapping/>
-  </p:clrMapOvr>
-</p:sld>
-</file>
-
-<file path=ppt/slides/slide9.xml><?xml version="1.0" encoding="utf-8"?>
-<p:sld xmlns:a="http://schemas.openxmlformats.org/drawingml/2006/main" xmlns:r="http://schemas.openxmlformats.org/officeDocument/2006/relationships" xmlns:mc="http://schemas.openxmlformats.org/markup-compatibility/2006" xmlns:mv="urn:schemas-microsoft-com:mac:vml" xmlns:p="http://schemas.openxmlformats.org/presentationml/2006/main" xmlns:c="http://schemas.openxmlformats.org/drawingml/2006/chart" xmlns:dgm="http://schemas.openxmlformats.org/drawingml/2006/diagram" xmlns:o="urn:schemas-microsoft-com:office:office" xmlns:v="urn:schemas-microsoft-com:vml" xmlns:pvml="urn:schemas-microsoft-com:office:powerpoint" xmlns:com="http://schemas.openxmlformats.org/drawingml/2006/compatibility" xmlns:p14="http://schemas.microsoft.com/office/powerpoint/2010/main" xmlns:p15="http://schemas.microsoft.com/office/powerpoint/2012/main" xmlns:ahyp="http://schemas.microsoft.com/office/drawing/2018/hyperlinkcolor">
-  <p:cSld>
-    <p:spTree>
-      <p:nvGrpSpPr>
-        <p:cNvPr id="331" name="Shape 331"/>
-        <p:cNvGrpSpPr/>
-        <p:nvPr/>
-      </p:nvGrpSpPr>
-      <p:grpSpPr>
-        <a:xfrm>
-          <a:off x="0" y="0"/>
-          <a:ext cx="0" cy="0"/>
-          <a:chOff x="0" y="0"/>
-          <a:chExt cx="0" cy="0"/>
-        </a:xfrm>
-      </p:grpSpPr>
-      <p:sp>
-        <p:nvSpPr>
-          <p:cNvPr id="332" name="Google Shape;332;p21"/>
-          <p:cNvSpPr txBox="1"/>
-          <p:nvPr>
-            <p:ph type="title"/>
-          </p:nvPr>
-        </p:nvSpPr>
-        <p:spPr>
-          <a:xfrm>
-            <a:off x="1303800" y="598575"/>
-            <a:ext cx="7030500" cy="999300"/>
-          </a:xfrm>
-          <a:prstGeom prst="rect">
-            <a:avLst/>
-          </a:prstGeom>
-        </p:spPr>
-        <p:txBody>
-          <a:bodyPr anchorCtr="0" anchor="t" bIns="91425" lIns="91425" spcFirstLastPara="1" rIns="91425" wrap="square" tIns="91425">
-            <a:normAutofit/>
-          </a:bodyPr>
-          <a:lstStyle/>
-          <a:p>
-            <a:pPr indent="0" lvl="0" marL="0" rtl="0" algn="l">
-              <a:spcBef>
-                <a:spcPts val="0"/>
-              </a:spcBef>
-              <a:spcAft>
-                <a:spcPts val="0"/>
-              </a:spcAft>
-              <a:buNone/>
-            </a:pPr>
-            <a:r>
-              <a:rPr lang="en-GB"/>
-              <a:t>Stack &amp; Stairs</a:t>
-            </a:r>
-            <a:endParaRPr/>
-          </a:p>
-        </p:txBody>
-      </p:sp>
-      <p:sp>
-        <p:nvSpPr>
-          <p:cNvPr id="333" name="Google Shape;333;p21"/>
-          <p:cNvSpPr txBox="1"/>
-          <p:nvPr>
-            <p:ph idx="1" type="body"/>
-          </p:nvPr>
-        </p:nvSpPr>
-        <p:spPr>
-          <a:xfrm>
-            <a:off x="1303800" y="1990050"/>
-            <a:ext cx="7030500" cy="2541600"/>
-          </a:xfrm>
-          <a:prstGeom prst="rect">
-            <a:avLst/>
-          </a:prstGeom>
-        </p:spPr>
-        <p:txBody>
-          <a:bodyPr anchorCtr="0" anchor="t" bIns="91425" lIns="91425" spcFirstLastPara="1" rIns="91425" wrap="square" tIns="91425">
-            <a:normAutofit/>
-          </a:bodyPr>
-          <a:lstStyle/>
-          <a:p>
-            <a:pPr indent="0" lvl="0" marL="0" rtl="0" algn="l">
-              <a:spcBef>
-                <a:spcPts val="0"/>
-              </a:spcBef>
-              <a:spcAft>
-                <a:spcPts val="1200"/>
-              </a:spcAft>
-              <a:buNone/>
-            </a:pPr>
-            <a:r>
-              <a:t/>
-            </a:r>
-            <a:endParaRPr/>
-          </a:p>
-        </p:txBody>
-      </p:sp>
-      <p:pic>
-        <p:nvPicPr>
-          <p:cNvPr id="334" name="Google Shape;334;p21"/>
-          <p:cNvPicPr preferRelativeResize="0"/>
-          <p:nvPr/>
-        </p:nvPicPr>
-        <p:blipFill rotWithShape="1">
-          <a:blip r:embed="rId3">
-            <a:alphaModFix/>
-          </a:blip>
-          <a:srcRect b="61461" l="0" r="18133" t="0"/>
-          <a:stretch/>
-        </p:blipFill>
-        <p:spPr>
-          <a:xfrm>
-            <a:off x="1303800" y="99000"/>
-            <a:ext cx="6174975" cy="2258424"/>
-          </a:xfrm>
-          <a:prstGeom prst="rect">
-            <a:avLst/>
-          </a:prstGeom>
-          <a:noFill/>
-          <a:ln>
-            <a:noFill/>
-          </a:ln>
-        </p:spPr>
-      </p:pic>
-      <p:pic>
-        <p:nvPicPr>
-          <p:cNvPr id="335" name="Google Shape;335;p21"/>
-          <p:cNvPicPr preferRelativeResize="0"/>
-          <p:nvPr/>
-        </p:nvPicPr>
-        <p:blipFill rotWithShape="1">
-          <a:blip r:embed="rId3">
-            <a:alphaModFix/>
-          </a:blip>
-          <a:srcRect b="0" l="0" r="0" t="54894"/>
-          <a:stretch/>
-        </p:blipFill>
-        <p:spPr>
-          <a:xfrm>
-            <a:off x="1345000" y="2542175"/>
-            <a:ext cx="6012551" cy="2107075"/>
           </a:xfrm>
           <a:prstGeom prst="rect">
             <a:avLst/>
